--- a/marketing/MarketingGPT템플릿.pptx
+++ b/marketing/MarketingGPT템플릿.pptx
@@ -2,18 +2,18 @@
 <file path=ppt/presentation.xml><?xml version="1.0" encoding="utf-8"?>
 <p:presentation xmlns:a="http://schemas.openxmlformats.org/drawingml/2006/main" xmlns:r="http://schemas.openxmlformats.org/officeDocument/2006/relationships" xmlns:p="http://schemas.openxmlformats.org/presentationml/2006/main" saveSubsetFonts="1">
   <p:sldMasterIdLst>
-    <p:sldMasterId id="2147483648" r:id="rId1"/>
+    <p:sldMasterId id="2147483660" r:id="rId1"/>
   </p:sldMasterIdLst>
   <p:sldIdLst>
     <p:sldId id="256" r:id="rId2"/>
   </p:sldIdLst>
-  <p:sldSz cx="12192000" cy="6858000"/>
+  <p:sldSz cx="6858000" cy="12192000"/>
   <p:notesSz cx="6858000" cy="9144000"/>
   <p:defaultTextStyle>
     <a:defPPr>
-      <a:defRPr lang="ko-KR"/>
+      <a:defRPr lang="en-US"/>
     </a:defPPr>
-    <a:lvl1pPr marL="0" algn="l" defTabSz="914400" rtl="0" eaLnBrk="1" latinLnBrk="1" hangingPunct="1">
+    <a:lvl1pPr marL="0" algn="l" defTabSz="457200" rtl="0" eaLnBrk="1" latinLnBrk="0" hangingPunct="1">
       <a:defRPr sz="1800" kern="1200">
         <a:solidFill>
           <a:schemeClr val="tx1"/>
@@ -23,7 +23,7 @@
         <a:cs typeface="+mn-cs"/>
       </a:defRPr>
     </a:lvl1pPr>
-    <a:lvl2pPr marL="457200" algn="l" defTabSz="914400" rtl="0" eaLnBrk="1" latinLnBrk="1" hangingPunct="1">
+    <a:lvl2pPr marL="457200" algn="l" defTabSz="457200" rtl="0" eaLnBrk="1" latinLnBrk="0" hangingPunct="1">
       <a:defRPr sz="1800" kern="1200">
         <a:solidFill>
           <a:schemeClr val="tx1"/>
@@ -33,7 +33,7 @@
         <a:cs typeface="+mn-cs"/>
       </a:defRPr>
     </a:lvl2pPr>
-    <a:lvl3pPr marL="914400" algn="l" defTabSz="914400" rtl="0" eaLnBrk="1" latinLnBrk="1" hangingPunct="1">
+    <a:lvl3pPr marL="914400" algn="l" defTabSz="457200" rtl="0" eaLnBrk="1" latinLnBrk="0" hangingPunct="1">
       <a:defRPr sz="1800" kern="1200">
         <a:solidFill>
           <a:schemeClr val="tx1"/>
@@ -43,7 +43,7 @@
         <a:cs typeface="+mn-cs"/>
       </a:defRPr>
     </a:lvl3pPr>
-    <a:lvl4pPr marL="1371600" algn="l" defTabSz="914400" rtl="0" eaLnBrk="1" latinLnBrk="1" hangingPunct="1">
+    <a:lvl4pPr marL="1371600" algn="l" defTabSz="457200" rtl="0" eaLnBrk="1" latinLnBrk="0" hangingPunct="1">
       <a:defRPr sz="1800" kern="1200">
         <a:solidFill>
           <a:schemeClr val="tx1"/>
@@ -53,7 +53,7 @@
         <a:cs typeface="+mn-cs"/>
       </a:defRPr>
     </a:lvl4pPr>
-    <a:lvl5pPr marL="1828800" algn="l" defTabSz="914400" rtl="0" eaLnBrk="1" latinLnBrk="1" hangingPunct="1">
+    <a:lvl5pPr marL="1828800" algn="l" defTabSz="457200" rtl="0" eaLnBrk="1" latinLnBrk="0" hangingPunct="1">
       <a:defRPr sz="1800" kern="1200">
         <a:solidFill>
           <a:schemeClr val="tx1"/>
@@ -63,7 +63,7 @@
         <a:cs typeface="+mn-cs"/>
       </a:defRPr>
     </a:lvl5pPr>
-    <a:lvl6pPr marL="2286000" algn="l" defTabSz="914400" rtl="0" eaLnBrk="1" latinLnBrk="1" hangingPunct="1">
+    <a:lvl6pPr marL="2286000" algn="l" defTabSz="457200" rtl="0" eaLnBrk="1" latinLnBrk="0" hangingPunct="1">
       <a:defRPr sz="1800" kern="1200">
         <a:solidFill>
           <a:schemeClr val="tx1"/>
@@ -73,7 +73,7 @@
         <a:cs typeface="+mn-cs"/>
       </a:defRPr>
     </a:lvl6pPr>
-    <a:lvl7pPr marL="2743200" algn="l" defTabSz="914400" rtl="0" eaLnBrk="1" latinLnBrk="1" hangingPunct="1">
+    <a:lvl7pPr marL="2743200" algn="l" defTabSz="457200" rtl="0" eaLnBrk="1" latinLnBrk="0" hangingPunct="1">
       <a:defRPr sz="1800" kern="1200">
         <a:solidFill>
           <a:schemeClr val="tx1"/>
@@ -83,7 +83,7 @@
         <a:cs typeface="+mn-cs"/>
       </a:defRPr>
     </a:lvl7pPr>
-    <a:lvl8pPr marL="3200400" algn="l" defTabSz="914400" rtl="0" eaLnBrk="1" latinLnBrk="1" hangingPunct="1">
+    <a:lvl8pPr marL="3200400" algn="l" defTabSz="457200" rtl="0" eaLnBrk="1" latinLnBrk="0" hangingPunct="1">
       <a:defRPr sz="1800" kern="1200">
         <a:solidFill>
           <a:schemeClr val="tx1"/>
@@ -93,7 +93,7 @@
         <a:cs typeface="+mn-cs"/>
       </a:defRPr>
     </a:lvl8pPr>
-    <a:lvl9pPr marL="3657600" algn="l" defTabSz="914400" rtl="0" eaLnBrk="1" latinLnBrk="1" hangingPunct="1">
+    <a:lvl9pPr marL="3657600" algn="l" defTabSz="457200" rtl="0" eaLnBrk="1" latinLnBrk="0" hangingPunct="1">
       <a:defRPr sz="1800" kern="1200">
         <a:solidFill>
           <a:schemeClr val="tx1"/>
@@ -104,6 +104,11 @@
       </a:defRPr>
     </a:lvl9pPr>
   </p:defaultTextStyle>
+  <p:extLst>
+    <p:ext uri="{EFAFB233-063F-42B5-8137-9DF3F51BA10A}">
+      <p15:sldGuideLst xmlns:p15="http://schemas.microsoft.com/office/powerpoint/2012/main"/>
+    </p:ext>
+  </p:extLst>
 </p:presentation>
 </file>
 
@@ -126,13 +131,7 @@
       </p:grpSpPr>
       <p:sp>
         <p:nvSpPr>
-          <p:cNvPr id="2" name="제목 1">
-            <a:extLst>
-              <a:ext uri="{FF2B5EF4-FFF2-40B4-BE49-F238E27FC236}">
-                <a16:creationId xmlns:a16="http://schemas.microsoft.com/office/drawing/2014/main" id="{E29FF16C-B3B4-9F71-C81D-B28EA2941FE8}"/>
-              </a:ext>
-            </a:extLst>
-          </p:cNvPr>
+          <p:cNvPr id="2" name="Title 1"/>
           <p:cNvSpPr>
             <a:spLocks noGrp="1"/>
           </p:cNvSpPr>
@@ -142,15 +141,15 @@
         </p:nvSpPr>
         <p:spPr>
           <a:xfrm>
-            <a:off x="1524000" y="1122363"/>
-            <a:ext cx="9144000" cy="2387600"/>
+            <a:off x="514350" y="1995312"/>
+            <a:ext cx="5829300" cy="4244622"/>
           </a:xfrm>
         </p:spPr>
         <p:txBody>
           <a:bodyPr anchor="b"/>
           <a:lstStyle>
             <a:lvl1pPr algn="ctr">
-              <a:defRPr sz="6000"/>
+              <a:defRPr sz="4500"/>
             </a:lvl1pPr>
           </a:lstStyle>
           <a:p>
@@ -158,18 +157,13 @@
               <a:rPr lang="ko-KR" altLang="en-US"/>
               <a:t>마스터 제목 스타일 편집</a:t>
             </a:r>
-          </a:p>
-        </p:txBody>
-      </p:sp>
-      <p:sp>
-        <p:nvSpPr>
-          <p:cNvPr id="3" name="부제목 2">
-            <a:extLst>
-              <a:ext uri="{FF2B5EF4-FFF2-40B4-BE49-F238E27FC236}">
-                <a16:creationId xmlns:a16="http://schemas.microsoft.com/office/drawing/2014/main" id="{712381B9-7D90-2D51-2618-F400189DCB21}"/>
-              </a:ext>
-            </a:extLst>
-          </p:cNvPr>
+            <a:endParaRPr lang="en-US" dirty="0"/>
+          </a:p>
+        </p:txBody>
+      </p:sp>
+      <p:sp>
+        <p:nvSpPr>
+          <p:cNvPr id="3" name="Subtitle 2"/>
           <p:cNvSpPr>
             <a:spLocks noGrp="1"/>
           </p:cNvSpPr>
@@ -179,8 +173,8 @@
         </p:nvSpPr>
         <p:spPr>
           <a:xfrm>
-            <a:off x="1524000" y="3602038"/>
-            <a:ext cx="9144000" cy="1655762"/>
+            <a:off x="857250" y="6403623"/>
+            <a:ext cx="5143500" cy="2943577"/>
           </a:xfrm>
         </p:spPr>
         <p:txBody>
@@ -188,39 +182,39 @@
           <a:lstStyle>
             <a:lvl1pPr marL="0" indent="0" algn="ctr">
               <a:buNone/>
-              <a:defRPr sz="2400"/>
+              <a:defRPr sz="1800"/>
             </a:lvl1pPr>
-            <a:lvl2pPr marL="457200" indent="0" algn="ctr">
-              <a:buNone/>
-              <a:defRPr sz="2000"/>
+            <a:lvl2pPr marL="342900" indent="0" algn="ctr">
+              <a:buNone/>
+              <a:defRPr sz="1500"/>
             </a:lvl2pPr>
-            <a:lvl3pPr marL="914400" indent="0" algn="ctr">
-              <a:buNone/>
-              <a:defRPr sz="1800"/>
+            <a:lvl3pPr marL="685800" indent="0" algn="ctr">
+              <a:buNone/>
+              <a:defRPr sz="1350"/>
             </a:lvl3pPr>
-            <a:lvl4pPr marL="1371600" indent="0" algn="ctr">
-              <a:buNone/>
-              <a:defRPr sz="1600"/>
+            <a:lvl4pPr marL="1028700" indent="0" algn="ctr">
+              <a:buNone/>
+              <a:defRPr sz="1200"/>
             </a:lvl4pPr>
-            <a:lvl5pPr marL="1828800" indent="0" algn="ctr">
-              <a:buNone/>
-              <a:defRPr sz="1600"/>
+            <a:lvl5pPr marL="1371600" indent="0" algn="ctr">
+              <a:buNone/>
+              <a:defRPr sz="1200"/>
             </a:lvl5pPr>
-            <a:lvl6pPr marL="2286000" indent="0" algn="ctr">
-              <a:buNone/>
-              <a:defRPr sz="1600"/>
+            <a:lvl6pPr marL="1714500" indent="0" algn="ctr">
+              <a:buNone/>
+              <a:defRPr sz="1200"/>
             </a:lvl6pPr>
-            <a:lvl7pPr marL="2743200" indent="0" algn="ctr">
-              <a:buNone/>
-              <a:defRPr sz="1600"/>
+            <a:lvl7pPr marL="2057400" indent="0" algn="ctr">
+              <a:buNone/>
+              <a:defRPr sz="1200"/>
             </a:lvl7pPr>
-            <a:lvl8pPr marL="3200400" indent="0" algn="ctr">
-              <a:buNone/>
-              <a:defRPr sz="1600"/>
+            <a:lvl8pPr marL="2400300" indent="0" algn="ctr">
+              <a:buNone/>
+              <a:defRPr sz="1200"/>
             </a:lvl8pPr>
-            <a:lvl9pPr marL="3657600" indent="0" algn="ctr">
-              <a:buNone/>
-              <a:defRPr sz="1600"/>
+            <a:lvl9pPr marL="2743200" indent="0" algn="ctr">
+              <a:buNone/>
+              <a:defRPr sz="1200"/>
             </a:lvl9pPr>
           </a:lstStyle>
           <a:p>
@@ -228,18 +222,13 @@
               <a:rPr lang="ko-KR" altLang="en-US"/>
               <a:t>클릭하여 마스터 부제목 스타일 편집</a:t>
             </a:r>
-          </a:p>
-        </p:txBody>
-      </p:sp>
-      <p:sp>
-        <p:nvSpPr>
-          <p:cNvPr id="4" name="날짜 개체 틀 3">
-            <a:extLst>
-              <a:ext uri="{FF2B5EF4-FFF2-40B4-BE49-F238E27FC236}">
-                <a16:creationId xmlns:a16="http://schemas.microsoft.com/office/drawing/2014/main" id="{9457D3DC-33F6-A413-414A-B715B7CAF5A1}"/>
-              </a:ext>
-            </a:extLst>
-          </p:cNvPr>
+            <a:endParaRPr lang="en-US" dirty="0"/>
+          </a:p>
+        </p:txBody>
+      </p:sp>
+      <p:sp>
+        <p:nvSpPr>
+          <p:cNvPr id="4" name="Date Placeholder 3"/>
           <p:cNvSpPr>
             <a:spLocks noGrp="1"/>
           </p:cNvSpPr>
@@ -262,13 +251,7 @@
       </p:sp>
       <p:sp>
         <p:nvSpPr>
-          <p:cNvPr id="5" name="바닥글 개체 틀 4">
-            <a:extLst>
-              <a:ext uri="{FF2B5EF4-FFF2-40B4-BE49-F238E27FC236}">
-                <a16:creationId xmlns:a16="http://schemas.microsoft.com/office/drawing/2014/main" id="{588EC00A-A530-C341-15E0-43E31C9C900F}"/>
-              </a:ext>
-            </a:extLst>
-          </p:cNvPr>
+          <p:cNvPr id="5" name="Footer Placeholder 4"/>
           <p:cNvSpPr>
             <a:spLocks noGrp="1"/>
           </p:cNvSpPr>
@@ -287,13 +270,7 @@
       </p:sp>
       <p:sp>
         <p:nvSpPr>
-          <p:cNvPr id="6" name="슬라이드 번호 개체 틀 5">
-            <a:extLst>
-              <a:ext uri="{FF2B5EF4-FFF2-40B4-BE49-F238E27FC236}">
-                <a16:creationId xmlns:a16="http://schemas.microsoft.com/office/drawing/2014/main" id="{A31286E7-516F-A0A4-1472-EB4CC10C78AC}"/>
-              </a:ext>
-            </a:extLst>
-          </p:cNvPr>
+          <p:cNvPr id="6" name="Slide Number Placeholder 5"/>
           <p:cNvSpPr>
             <a:spLocks noGrp="1"/>
           </p:cNvSpPr>
@@ -317,7 +294,7 @@
     </p:spTree>
     <p:extLst>
       <p:ext uri="{BB962C8B-B14F-4D97-AF65-F5344CB8AC3E}">
-        <p14:creationId xmlns:p14="http://schemas.microsoft.com/office/powerpoint/2010/main" val="3925931940"/>
+        <p14:creationId xmlns:p14="http://schemas.microsoft.com/office/powerpoint/2010/main" val="1406229547"/>
       </p:ext>
     </p:extLst>
   </p:cSld>
@@ -346,13 +323,7 @@
       </p:grpSpPr>
       <p:sp>
         <p:nvSpPr>
-          <p:cNvPr id="2" name="제목 1">
-            <a:extLst>
-              <a:ext uri="{FF2B5EF4-FFF2-40B4-BE49-F238E27FC236}">
-                <a16:creationId xmlns:a16="http://schemas.microsoft.com/office/drawing/2014/main" id="{EE97CBE8-2F6A-B5AC-719E-D0DBE6618F89}"/>
-              </a:ext>
-            </a:extLst>
-          </p:cNvPr>
+          <p:cNvPr id="2" name="Title 1"/>
           <p:cNvSpPr>
             <a:spLocks noGrp="1"/>
           </p:cNvSpPr>
@@ -369,18 +340,13 @@
               <a:rPr lang="ko-KR" altLang="en-US"/>
               <a:t>마스터 제목 스타일 편집</a:t>
             </a:r>
-          </a:p>
-        </p:txBody>
-      </p:sp>
-      <p:sp>
-        <p:nvSpPr>
-          <p:cNvPr id="3" name="세로 텍스트 개체 틀 2">
-            <a:extLst>
-              <a:ext uri="{FF2B5EF4-FFF2-40B4-BE49-F238E27FC236}">
-                <a16:creationId xmlns:a16="http://schemas.microsoft.com/office/drawing/2014/main" id="{48D96415-BCED-13F5-07B0-306EE3AA5C5B}"/>
-              </a:ext>
-            </a:extLst>
-          </p:cNvPr>
+            <a:endParaRPr lang="en-US" dirty="0"/>
+          </a:p>
+        </p:txBody>
+      </p:sp>
+      <p:sp>
+        <p:nvSpPr>
+          <p:cNvPr id="3" name="Vertical Text Placeholder 2"/>
           <p:cNvSpPr>
             <a:spLocks noGrp="1"/>
           </p:cNvSpPr>
@@ -426,18 +392,13 @@
               <a:rPr lang="ko-KR" altLang="en-US"/>
               <a:t>다섯 번째 수준</a:t>
             </a:r>
-          </a:p>
-        </p:txBody>
-      </p:sp>
-      <p:sp>
-        <p:nvSpPr>
-          <p:cNvPr id="4" name="날짜 개체 틀 3">
-            <a:extLst>
-              <a:ext uri="{FF2B5EF4-FFF2-40B4-BE49-F238E27FC236}">
-                <a16:creationId xmlns:a16="http://schemas.microsoft.com/office/drawing/2014/main" id="{2CEC544D-2E48-33AE-43B4-AB4F75202734}"/>
-              </a:ext>
-            </a:extLst>
-          </p:cNvPr>
+            <a:endParaRPr lang="en-US" dirty="0"/>
+          </a:p>
+        </p:txBody>
+      </p:sp>
+      <p:sp>
+        <p:nvSpPr>
+          <p:cNvPr id="4" name="Date Placeholder 3"/>
           <p:cNvSpPr>
             <a:spLocks noGrp="1"/>
           </p:cNvSpPr>
@@ -460,13 +421,7 @@
       </p:sp>
       <p:sp>
         <p:nvSpPr>
-          <p:cNvPr id="5" name="바닥글 개체 틀 4">
-            <a:extLst>
-              <a:ext uri="{FF2B5EF4-FFF2-40B4-BE49-F238E27FC236}">
-                <a16:creationId xmlns:a16="http://schemas.microsoft.com/office/drawing/2014/main" id="{F10A07D0-5102-0034-8C4B-8DD3D30FF009}"/>
-              </a:ext>
-            </a:extLst>
-          </p:cNvPr>
+          <p:cNvPr id="5" name="Footer Placeholder 4"/>
           <p:cNvSpPr>
             <a:spLocks noGrp="1"/>
           </p:cNvSpPr>
@@ -485,13 +440,7 @@
       </p:sp>
       <p:sp>
         <p:nvSpPr>
-          <p:cNvPr id="6" name="슬라이드 번호 개체 틀 5">
-            <a:extLst>
-              <a:ext uri="{FF2B5EF4-FFF2-40B4-BE49-F238E27FC236}">
-                <a16:creationId xmlns:a16="http://schemas.microsoft.com/office/drawing/2014/main" id="{69BE5763-EEC3-5DA1-613B-03B1767225CC}"/>
-              </a:ext>
-            </a:extLst>
-          </p:cNvPr>
+          <p:cNvPr id="6" name="Slide Number Placeholder 5"/>
           <p:cNvSpPr>
             <a:spLocks noGrp="1"/>
           </p:cNvSpPr>
@@ -515,7 +464,7 @@
     </p:spTree>
     <p:extLst>
       <p:ext uri="{BB962C8B-B14F-4D97-AF65-F5344CB8AC3E}">
-        <p14:creationId xmlns:p14="http://schemas.microsoft.com/office/powerpoint/2010/main" val="1107543184"/>
+        <p14:creationId xmlns:p14="http://schemas.microsoft.com/office/powerpoint/2010/main" val="397197736"/>
       </p:ext>
     </p:extLst>
   </p:cSld>
@@ -544,13 +493,7 @@
       </p:grpSpPr>
       <p:sp>
         <p:nvSpPr>
-          <p:cNvPr id="2" name="세로 제목 1">
-            <a:extLst>
-              <a:ext uri="{FF2B5EF4-FFF2-40B4-BE49-F238E27FC236}">
-                <a16:creationId xmlns:a16="http://schemas.microsoft.com/office/drawing/2014/main" id="{8B46DC71-2A1D-55E6-D1FE-BF58FA7B196D}"/>
-              </a:ext>
-            </a:extLst>
-          </p:cNvPr>
+          <p:cNvPr id="2" name="Vertical Title 1"/>
           <p:cNvSpPr>
             <a:spLocks noGrp="1"/>
           </p:cNvSpPr>
@@ -560,8 +503,8 @@
         </p:nvSpPr>
         <p:spPr>
           <a:xfrm>
-            <a:off x="8724900" y="365125"/>
-            <a:ext cx="2628900" cy="5811838"/>
+            <a:off x="4907757" y="649111"/>
+            <a:ext cx="1478756" cy="10332156"/>
           </a:xfrm>
         </p:spPr>
         <p:txBody>
@@ -572,18 +515,13 @@
               <a:rPr lang="ko-KR" altLang="en-US"/>
               <a:t>마스터 제목 스타일 편집</a:t>
             </a:r>
-          </a:p>
-        </p:txBody>
-      </p:sp>
-      <p:sp>
-        <p:nvSpPr>
-          <p:cNvPr id="3" name="세로 텍스트 개체 틀 2">
-            <a:extLst>
-              <a:ext uri="{FF2B5EF4-FFF2-40B4-BE49-F238E27FC236}">
-                <a16:creationId xmlns:a16="http://schemas.microsoft.com/office/drawing/2014/main" id="{47509112-D6E4-B381-D48F-5A9A6BCC7268}"/>
-              </a:ext>
-            </a:extLst>
-          </p:cNvPr>
+            <a:endParaRPr lang="en-US" dirty="0"/>
+          </a:p>
+        </p:txBody>
+      </p:sp>
+      <p:sp>
+        <p:nvSpPr>
+          <p:cNvPr id="3" name="Vertical Text Placeholder 2"/>
           <p:cNvSpPr>
             <a:spLocks noGrp="1"/>
           </p:cNvSpPr>
@@ -593,8 +531,8 @@
         </p:nvSpPr>
         <p:spPr>
           <a:xfrm>
-            <a:off x="838200" y="365125"/>
-            <a:ext cx="7734300" cy="5811838"/>
+            <a:off x="471488" y="649111"/>
+            <a:ext cx="4350544" cy="10332156"/>
           </a:xfrm>
         </p:spPr>
         <p:txBody>
@@ -634,18 +572,13 @@
               <a:rPr lang="ko-KR" altLang="en-US"/>
               <a:t>다섯 번째 수준</a:t>
             </a:r>
-          </a:p>
-        </p:txBody>
-      </p:sp>
-      <p:sp>
-        <p:nvSpPr>
-          <p:cNvPr id="4" name="날짜 개체 틀 3">
-            <a:extLst>
-              <a:ext uri="{FF2B5EF4-FFF2-40B4-BE49-F238E27FC236}">
-                <a16:creationId xmlns:a16="http://schemas.microsoft.com/office/drawing/2014/main" id="{2A821356-D987-1C67-44B0-96ECB6C84C6F}"/>
-              </a:ext>
-            </a:extLst>
-          </p:cNvPr>
+            <a:endParaRPr lang="en-US" dirty="0"/>
+          </a:p>
+        </p:txBody>
+      </p:sp>
+      <p:sp>
+        <p:nvSpPr>
+          <p:cNvPr id="4" name="Date Placeholder 3"/>
           <p:cNvSpPr>
             <a:spLocks noGrp="1"/>
           </p:cNvSpPr>
@@ -668,13 +601,7 @@
       </p:sp>
       <p:sp>
         <p:nvSpPr>
-          <p:cNvPr id="5" name="바닥글 개체 틀 4">
-            <a:extLst>
-              <a:ext uri="{FF2B5EF4-FFF2-40B4-BE49-F238E27FC236}">
-                <a16:creationId xmlns:a16="http://schemas.microsoft.com/office/drawing/2014/main" id="{A43B84DB-E745-122F-F023-5060FFE69E89}"/>
-              </a:ext>
-            </a:extLst>
-          </p:cNvPr>
+          <p:cNvPr id="5" name="Footer Placeholder 4"/>
           <p:cNvSpPr>
             <a:spLocks noGrp="1"/>
           </p:cNvSpPr>
@@ -693,13 +620,7 @@
       </p:sp>
       <p:sp>
         <p:nvSpPr>
-          <p:cNvPr id="6" name="슬라이드 번호 개체 틀 5">
-            <a:extLst>
-              <a:ext uri="{FF2B5EF4-FFF2-40B4-BE49-F238E27FC236}">
-                <a16:creationId xmlns:a16="http://schemas.microsoft.com/office/drawing/2014/main" id="{C684C805-86D0-6027-7D3A-411E70ED07BA}"/>
-              </a:ext>
-            </a:extLst>
-          </p:cNvPr>
+          <p:cNvPr id="6" name="Slide Number Placeholder 5"/>
           <p:cNvSpPr>
             <a:spLocks noGrp="1"/>
           </p:cNvSpPr>
@@ -723,7 +644,7 @@
     </p:spTree>
     <p:extLst>
       <p:ext uri="{BB962C8B-B14F-4D97-AF65-F5344CB8AC3E}">
-        <p14:creationId xmlns:p14="http://schemas.microsoft.com/office/powerpoint/2010/main" val="3298584450"/>
+        <p14:creationId xmlns:p14="http://schemas.microsoft.com/office/powerpoint/2010/main" val="163922220"/>
       </p:ext>
     </p:extLst>
   </p:cSld>
@@ -752,13 +673,7 @@
       </p:grpSpPr>
       <p:sp>
         <p:nvSpPr>
-          <p:cNvPr id="2" name="제목 1">
-            <a:extLst>
-              <a:ext uri="{FF2B5EF4-FFF2-40B4-BE49-F238E27FC236}">
-                <a16:creationId xmlns:a16="http://schemas.microsoft.com/office/drawing/2014/main" id="{CAB084CA-4FC2-9304-AD99-2DEFBE7D187D}"/>
-              </a:ext>
-            </a:extLst>
-          </p:cNvPr>
+          <p:cNvPr id="2" name="Title 1"/>
           <p:cNvSpPr>
             <a:spLocks noGrp="1"/>
           </p:cNvSpPr>
@@ -775,18 +690,13 @@
               <a:rPr lang="ko-KR" altLang="en-US"/>
               <a:t>마스터 제목 스타일 편집</a:t>
             </a:r>
-          </a:p>
-        </p:txBody>
-      </p:sp>
-      <p:sp>
-        <p:nvSpPr>
-          <p:cNvPr id="3" name="내용 개체 틀 2">
-            <a:extLst>
-              <a:ext uri="{FF2B5EF4-FFF2-40B4-BE49-F238E27FC236}">
-                <a16:creationId xmlns:a16="http://schemas.microsoft.com/office/drawing/2014/main" id="{C113D8EF-2F0F-664A-3CEB-249D2B64AD5A}"/>
-              </a:ext>
-            </a:extLst>
-          </p:cNvPr>
+            <a:endParaRPr lang="en-US" dirty="0"/>
+          </a:p>
+        </p:txBody>
+      </p:sp>
+      <p:sp>
+        <p:nvSpPr>
+          <p:cNvPr id="3" name="Content Placeholder 2"/>
           <p:cNvSpPr>
             <a:spLocks noGrp="1"/>
           </p:cNvSpPr>
@@ -832,18 +742,13 @@
               <a:rPr lang="ko-KR" altLang="en-US"/>
               <a:t>다섯 번째 수준</a:t>
             </a:r>
-          </a:p>
-        </p:txBody>
-      </p:sp>
-      <p:sp>
-        <p:nvSpPr>
-          <p:cNvPr id="4" name="날짜 개체 틀 3">
-            <a:extLst>
-              <a:ext uri="{FF2B5EF4-FFF2-40B4-BE49-F238E27FC236}">
-                <a16:creationId xmlns:a16="http://schemas.microsoft.com/office/drawing/2014/main" id="{67DA3255-44B5-C73E-E3E9-0A4FF464AF77}"/>
-              </a:ext>
-            </a:extLst>
-          </p:cNvPr>
+            <a:endParaRPr lang="en-US" dirty="0"/>
+          </a:p>
+        </p:txBody>
+      </p:sp>
+      <p:sp>
+        <p:nvSpPr>
+          <p:cNvPr id="4" name="Date Placeholder 3"/>
           <p:cNvSpPr>
             <a:spLocks noGrp="1"/>
           </p:cNvSpPr>
@@ -866,13 +771,7 @@
       </p:sp>
       <p:sp>
         <p:nvSpPr>
-          <p:cNvPr id="5" name="바닥글 개체 틀 4">
-            <a:extLst>
-              <a:ext uri="{FF2B5EF4-FFF2-40B4-BE49-F238E27FC236}">
-                <a16:creationId xmlns:a16="http://schemas.microsoft.com/office/drawing/2014/main" id="{065D0728-D7AB-0090-ADE2-C54FBB50CED9}"/>
-              </a:ext>
-            </a:extLst>
-          </p:cNvPr>
+          <p:cNvPr id="5" name="Footer Placeholder 4"/>
           <p:cNvSpPr>
             <a:spLocks noGrp="1"/>
           </p:cNvSpPr>
@@ -891,13 +790,7 @@
       </p:sp>
       <p:sp>
         <p:nvSpPr>
-          <p:cNvPr id="6" name="슬라이드 번호 개체 틀 5">
-            <a:extLst>
-              <a:ext uri="{FF2B5EF4-FFF2-40B4-BE49-F238E27FC236}">
-                <a16:creationId xmlns:a16="http://schemas.microsoft.com/office/drawing/2014/main" id="{0B3CB7B1-468D-D336-B382-E278E5E71C25}"/>
-              </a:ext>
-            </a:extLst>
-          </p:cNvPr>
+          <p:cNvPr id="6" name="Slide Number Placeholder 5"/>
           <p:cNvSpPr>
             <a:spLocks noGrp="1"/>
           </p:cNvSpPr>
@@ -921,7 +814,7 @@
     </p:spTree>
     <p:extLst>
       <p:ext uri="{BB962C8B-B14F-4D97-AF65-F5344CB8AC3E}">
-        <p14:creationId xmlns:p14="http://schemas.microsoft.com/office/powerpoint/2010/main" val="569440231"/>
+        <p14:creationId xmlns:p14="http://schemas.microsoft.com/office/powerpoint/2010/main" val="3048670396"/>
       </p:ext>
     </p:extLst>
   </p:cSld>
@@ -950,13 +843,7 @@
       </p:grpSpPr>
       <p:sp>
         <p:nvSpPr>
-          <p:cNvPr id="2" name="제목 1">
-            <a:extLst>
-              <a:ext uri="{FF2B5EF4-FFF2-40B4-BE49-F238E27FC236}">
-                <a16:creationId xmlns:a16="http://schemas.microsoft.com/office/drawing/2014/main" id="{1A7CDB24-AF1B-F77E-69CB-5C26E3C6B66B}"/>
-              </a:ext>
-            </a:extLst>
-          </p:cNvPr>
+          <p:cNvPr id="2" name="Title 1"/>
           <p:cNvSpPr>
             <a:spLocks noGrp="1"/>
           </p:cNvSpPr>
@@ -966,15 +853,15 @@
         </p:nvSpPr>
         <p:spPr>
           <a:xfrm>
-            <a:off x="831850" y="1709738"/>
-            <a:ext cx="10515600" cy="2852737"/>
+            <a:off x="467916" y="3039537"/>
+            <a:ext cx="5915025" cy="5071532"/>
           </a:xfrm>
         </p:spPr>
         <p:txBody>
           <a:bodyPr anchor="b"/>
           <a:lstStyle>
             <a:lvl1pPr>
-              <a:defRPr sz="6000"/>
+              <a:defRPr sz="4500"/>
             </a:lvl1pPr>
           </a:lstStyle>
           <a:p>
@@ -982,18 +869,13 @@
               <a:rPr lang="ko-KR" altLang="en-US"/>
               <a:t>마스터 제목 스타일 편집</a:t>
             </a:r>
-          </a:p>
-        </p:txBody>
-      </p:sp>
-      <p:sp>
-        <p:nvSpPr>
-          <p:cNvPr id="3" name="텍스트 개체 틀 2">
-            <a:extLst>
-              <a:ext uri="{FF2B5EF4-FFF2-40B4-BE49-F238E27FC236}">
-                <a16:creationId xmlns:a16="http://schemas.microsoft.com/office/drawing/2014/main" id="{D26C7723-8001-701B-8834-1B634F9350E7}"/>
-              </a:ext>
-            </a:extLst>
-          </p:cNvPr>
+            <a:endParaRPr lang="en-US" dirty="0"/>
+          </a:p>
+        </p:txBody>
+      </p:sp>
+      <p:sp>
+        <p:nvSpPr>
+          <p:cNvPr id="3" name="Text Placeholder 2"/>
           <p:cNvSpPr>
             <a:spLocks noGrp="1"/>
           </p:cNvSpPr>
@@ -1003,8 +885,8 @@
         </p:nvSpPr>
         <p:spPr>
           <a:xfrm>
-            <a:off x="831850" y="4589463"/>
-            <a:ext cx="10515600" cy="1500187"/>
+            <a:off x="467916" y="8159048"/>
+            <a:ext cx="5915025" cy="2666999"/>
           </a:xfrm>
         </p:spPr>
         <p:txBody>
@@ -1012,17 +894,15 @@
           <a:lstStyle>
             <a:lvl1pPr marL="0" indent="0">
               <a:buNone/>
-              <a:defRPr sz="2400">
+              <a:defRPr sz="1800">
                 <a:solidFill>
-                  <a:schemeClr val="tx1">
-                    <a:tint val="75000"/>
-                  </a:schemeClr>
+                  <a:schemeClr val="tx1"/>
                 </a:solidFill>
               </a:defRPr>
             </a:lvl1pPr>
-            <a:lvl2pPr marL="457200" indent="0">
-              <a:buNone/>
-              <a:defRPr sz="2000">
+            <a:lvl2pPr marL="342900" indent="0">
+              <a:buNone/>
+              <a:defRPr sz="1500">
                 <a:solidFill>
                   <a:schemeClr val="tx1">
                     <a:tint val="75000"/>
@@ -1030,9 +910,9 @@
                 </a:solidFill>
               </a:defRPr>
             </a:lvl2pPr>
-            <a:lvl3pPr marL="914400" indent="0">
-              <a:buNone/>
-              <a:defRPr sz="1800">
+            <a:lvl3pPr marL="685800" indent="0">
+              <a:buNone/>
+              <a:defRPr sz="1350">
                 <a:solidFill>
                   <a:schemeClr val="tx1">
                     <a:tint val="75000"/>
@@ -1040,9 +920,9 @@
                 </a:solidFill>
               </a:defRPr>
             </a:lvl3pPr>
-            <a:lvl4pPr marL="1371600" indent="0">
-              <a:buNone/>
-              <a:defRPr sz="1600">
+            <a:lvl4pPr marL="1028700" indent="0">
+              <a:buNone/>
+              <a:defRPr sz="1200">
                 <a:solidFill>
                   <a:schemeClr val="tx1">
                     <a:tint val="75000"/>
@@ -1050,9 +930,9 @@
                 </a:solidFill>
               </a:defRPr>
             </a:lvl4pPr>
-            <a:lvl5pPr marL="1828800" indent="0">
-              <a:buNone/>
-              <a:defRPr sz="1600">
+            <a:lvl5pPr marL="1371600" indent="0">
+              <a:buNone/>
+              <a:defRPr sz="1200">
                 <a:solidFill>
                   <a:schemeClr val="tx1">
                     <a:tint val="75000"/>
@@ -1060,9 +940,9 @@
                 </a:solidFill>
               </a:defRPr>
             </a:lvl5pPr>
-            <a:lvl6pPr marL="2286000" indent="0">
-              <a:buNone/>
-              <a:defRPr sz="1600">
+            <a:lvl6pPr marL="1714500" indent="0">
+              <a:buNone/>
+              <a:defRPr sz="1200">
                 <a:solidFill>
                   <a:schemeClr val="tx1">
                     <a:tint val="75000"/>
@@ -1070,9 +950,9 @@
                 </a:solidFill>
               </a:defRPr>
             </a:lvl6pPr>
-            <a:lvl7pPr marL="2743200" indent="0">
-              <a:buNone/>
-              <a:defRPr sz="1600">
+            <a:lvl7pPr marL="2057400" indent="0">
+              <a:buNone/>
+              <a:defRPr sz="1200">
                 <a:solidFill>
                   <a:schemeClr val="tx1">
                     <a:tint val="75000"/>
@@ -1080,9 +960,9 @@
                 </a:solidFill>
               </a:defRPr>
             </a:lvl7pPr>
-            <a:lvl8pPr marL="3200400" indent="0">
-              <a:buNone/>
-              <a:defRPr sz="1600">
+            <a:lvl8pPr marL="2400300" indent="0">
+              <a:buNone/>
+              <a:defRPr sz="1200">
                 <a:solidFill>
                   <a:schemeClr val="tx1">
                     <a:tint val="75000"/>
@@ -1090,9 +970,9 @@
                 </a:solidFill>
               </a:defRPr>
             </a:lvl8pPr>
-            <a:lvl9pPr marL="3657600" indent="0">
-              <a:buNone/>
-              <a:defRPr sz="1600">
+            <a:lvl9pPr marL="2743200" indent="0">
+              <a:buNone/>
+              <a:defRPr sz="1200">
                 <a:solidFill>
                   <a:schemeClr val="tx1">
                     <a:tint val="75000"/>
@@ -1112,13 +992,7 @@
       </p:sp>
       <p:sp>
         <p:nvSpPr>
-          <p:cNvPr id="4" name="날짜 개체 틀 3">
-            <a:extLst>
-              <a:ext uri="{FF2B5EF4-FFF2-40B4-BE49-F238E27FC236}">
-                <a16:creationId xmlns:a16="http://schemas.microsoft.com/office/drawing/2014/main" id="{5CC5623D-AF58-D6B4-7A30-44A342D15A25}"/>
-              </a:ext>
-            </a:extLst>
-          </p:cNvPr>
+          <p:cNvPr id="4" name="Date Placeholder 3"/>
           <p:cNvSpPr>
             <a:spLocks noGrp="1"/>
           </p:cNvSpPr>
@@ -1141,13 +1015,7 @@
       </p:sp>
       <p:sp>
         <p:nvSpPr>
-          <p:cNvPr id="5" name="바닥글 개체 틀 4">
-            <a:extLst>
-              <a:ext uri="{FF2B5EF4-FFF2-40B4-BE49-F238E27FC236}">
-                <a16:creationId xmlns:a16="http://schemas.microsoft.com/office/drawing/2014/main" id="{3FC34094-1659-54D6-04BA-FE9884B01622}"/>
-              </a:ext>
-            </a:extLst>
-          </p:cNvPr>
+          <p:cNvPr id="5" name="Footer Placeholder 4"/>
           <p:cNvSpPr>
             <a:spLocks noGrp="1"/>
           </p:cNvSpPr>
@@ -1166,13 +1034,7 @@
       </p:sp>
       <p:sp>
         <p:nvSpPr>
-          <p:cNvPr id="6" name="슬라이드 번호 개체 틀 5">
-            <a:extLst>
-              <a:ext uri="{FF2B5EF4-FFF2-40B4-BE49-F238E27FC236}">
-                <a16:creationId xmlns:a16="http://schemas.microsoft.com/office/drawing/2014/main" id="{22F041C7-4E0B-F192-A283-55964924C9E6}"/>
-              </a:ext>
-            </a:extLst>
-          </p:cNvPr>
+          <p:cNvPr id="6" name="Slide Number Placeholder 5"/>
           <p:cNvSpPr>
             <a:spLocks noGrp="1"/>
           </p:cNvSpPr>
@@ -1196,7 +1058,7 @@
     </p:spTree>
     <p:extLst>
       <p:ext uri="{BB962C8B-B14F-4D97-AF65-F5344CB8AC3E}">
-        <p14:creationId xmlns:p14="http://schemas.microsoft.com/office/powerpoint/2010/main" val="4275347994"/>
+        <p14:creationId xmlns:p14="http://schemas.microsoft.com/office/powerpoint/2010/main" val="1157549388"/>
       </p:ext>
     </p:extLst>
   </p:cSld>
@@ -1225,13 +1087,7 @@
       </p:grpSpPr>
       <p:sp>
         <p:nvSpPr>
-          <p:cNvPr id="2" name="제목 1">
-            <a:extLst>
-              <a:ext uri="{FF2B5EF4-FFF2-40B4-BE49-F238E27FC236}">
-                <a16:creationId xmlns:a16="http://schemas.microsoft.com/office/drawing/2014/main" id="{852B2874-6F21-801C-85C1-063DFC000E2B}"/>
-              </a:ext>
-            </a:extLst>
-          </p:cNvPr>
+          <p:cNvPr id="2" name="Title 1"/>
           <p:cNvSpPr>
             <a:spLocks noGrp="1"/>
           </p:cNvSpPr>
@@ -1248,18 +1104,13 @@
               <a:rPr lang="ko-KR" altLang="en-US"/>
               <a:t>마스터 제목 스타일 편집</a:t>
             </a:r>
-          </a:p>
-        </p:txBody>
-      </p:sp>
-      <p:sp>
-        <p:nvSpPr>
-          <p:cNvPr id="3" name="내용 개체 틀 2">
-            <a:extLst>
-              <a:ext uri="{FF2B5EF4-FFF2-40B4-BE49-F238E27FC236}">
-                <a16:creationId xmlns:a16="http://schemas.microsoft.com/office/drawing/2014/main" id="{8F656D9F-A468-C701-E504-82DCC9E45057}"/>
-              </a:ext>
-            </a:extLst>
-          </p:cNvPr>
+            <a:endParaRPr lang="en-US" dirty="0"/>
+          </a:p>
+        </p:txBody>
+      </p:sp>
+      <p:sp>
+        <p:nvSpPr>
+          <p:cNvPr id="3" name="Content Placeholder 2"/>
           <p:cNvSpPr>
             <a:spLocks noGrp="1"/>
           </p:cNvSpPr>
@@ -1269,8 +1120,8 @@
         </p:nvSpPr>
         <p:spPr>
           <a:xfrm>
-            <a:off x="838200" y="1825625"/>
-            <a:ext cx="5181600" cy="4351338"/>
+            <a:off x="471488" y="3245556"/>
+            <a:ext cx="2914650" cy="7735712"/>
           </a:xfrm>
         </p:spPr>
         <p:txBody>
@@ -1310,18 +1161,13 @@
               <a:rPr lang="ko-KR" altLang="en-US"/>
               <a:t>다섯 번째 수준</a:t>
             </a:r>
-          </a:p>
-        </p:txBody>
-      </p:sp>
-      <p:sp>
-        <p:nvSpPr>
-          <p:cNvPr id="4" name="내용 개체 틀 3">
-            <a:extLst>
-              <a:ext uri="{FF2B5EF4-FFF2-40B4-BE49-F238E27FC236}">
-                <a16:creationId xmlns:a16="http://schemas.microsoft.com/office/drawing/2014/main" id="{9E7015FA-B5E7-7FFC-1112-6EDEE52691A4}"/>
-              </a:ext>
-            </a:extLst>
-          </p:cNvPr>
+            <a:endParaRPr lang="en-US" dirty="0"/>
+          </a:p>
+        </p:txBody>
+      </p:sp>
+      <p:sp>
+        <p:nvSpPr>
+          <p:cNvPr id="4" name="Content Placeholder 3"/>
           <p:cNvSpPr>
             <a:spLocks noGrp="1"/>
           </p:cNvSpPr>
@@ -1331,8 +1177,8 @@
         </p:nvSpPr>
         <p:spPr>
           <a:xfrm>
-            <a:off x="6172200" y="1825625"/>
-            <a:ext cx="5181600" cy="4351338"/>
+            <a:off x="3471863" y="3245556"/>
+            <a:ext cx="2914650" cy="7735712"/>
           </a:xfrm>
         </p:spPr>
         <p:txBody>
@@ -1372,18 +1218,13 @@
               <a:rPr lang="ko-KR" altLang="en-US"/>
               <a:t>다섯 번째 수준</a:t>
             </a:r>
-          </a:p>
-        </p:txBody>
-      </p:sp>
-      <p:sp>
-        <p:nvSpPr>
-          <p:cNvPr id="5" name="날짜 개체 틀 4">
-            <a:extLst>
-              <a:ext uri="{FF2B5EF4-FFF2-40B4-BE49-F238E27FC236}">
-                <a16:creationId xmlns:a16="http://schemas.microsoft.com/office/drawing/2014/main" id="{1CC5502A-B488-9066-86EE-F2269982D221}"/>
-              </a:ext>
-            </a:extLst>
-          </p:cNvPr>
+            <a:endParaRPr lang="en-US" dirty="0"/>
+          </a:p>
+        </p:txBody>
+      </p:sp>
+      <p:sp>
+        <p:nvSpPr>
+          <p:cNvPr id="5" name="Date Placeholder 4"/>
           <p:cNvSpPr>
             <a:spLocks noGrp="1"/>
           </p:cNvSpPr>
@@ -1406,13 +1247,7 @@
       </p:sp>
       <p:sp>
         <p:nvSpPr>
-          <p:cNvPr id="6" name="바닥글 개체 틀 5">
-            <a:extLst>
-              <a:ext uri="{FF2B5EF4-FFF2-40B4-BE49-F238E27FC236}">
-                <a16:creationId xmlns:a16="http://schemas.microsoft.com/office/drawing/2014/main" id="{11F82876-E479-0934-1AEA-149023DF1383}"/>
-              </a:ext>
-            </a:extLst>
-          </p:cNvPr>
+          <p:cNvPr id="6" name="Footer Placeholder 5"/>
           <p:cNvSpPr>
             <a:spLocks noGrp="1"/>
           </p:cNvSpPr>
@@ -1431,13 +1266,7 @@
       </p:sp>
       <p:sp>
         <p:nvSpPr>
-          <p:cNvPr id="7" name="슬라이드 번호 개체 틀 6">
-            <a:extLst>
-              <a:ext uri="{FF2B5EF4-FFF2-40B4-BE49-F238E27FC236}">
-                <a16:creationId xmlns:a16="http://schemas.microsoft.com/office/drawing/2014/main" id="{C66B548C-4E14-9011-E08A-E013335D07D6}"/>
-              </a:ext>
-            </a:extLst>
-          </p:cNvPr>
+          <p:cNvPr id="7" name="Slide Number Placeholder 6"/>
           <p:cNvSpPr>
             <a:spLocks noGrp="1"/>
           </p:cNvSpPr>
@@ -1461,7 +1290,7 @@
     </p:spTree>
     <p:extLst>
       <p:ext uri="{BB962C8B-B14F-4D97-AF65-F5344CB8AC3E}">
-        <p14:creationId xmlns:p14="http://schemas.microsoft.com/office/powerpoint/2010/main" val="4207027976"/>
+        <p14:creationId xmlns:p14="http://schemas.microsoft.com/office/powerpoint/2010/main" val="3194816349"/>
       </p:ext>
     </p:extLst>
   </p:cSld>
@@ -1490,13 +1319,7 @@
       </p:grpSpPr>
       <p:sp>
         <p:nvSpPr>
-          <p:cNvPr id="2" name="제목 1">
-            <a:extLst>
-              <a:ext uri="{FF2B5EF4-FFF2-40B4-BE49-F238E27FC236}">
-                <a16:creationId xmlns:a16="http://schemas.microsoft.com/office/drawing/2014/main" id="{618E22F3-5015-D13D-BFDE-150D43D7347D}"/>
-              </a:ext>
-            </a:extLst>
-          </p:cNvPr>
+          <p:cNvPr id="2" name="Title 1"/>
           <p:cNvSpPr>
             <a:spLocks noGrp="1"/>
           </p:cNvSpPr>
@@ -1506,8 +1329,8 @@
         </p:nvSpPr>
         <p:spPr>
           <a:xfrm>
-            <a:off x="839788" y="365125"/>
-            <a:ext cx="10515600" cy="1325563"/>
+            <a:off x="472381" y="649114"/>
+            <a:ext cx="5915025" cy="2356556"/>
           </a:xfrm>
         </p:spPr>
         <p:txBody>
@@ -1518,18 +1341,13 @@
               <a:rPr lang="ko-KR" altLang="en-US"/>
               <a:t>마스터 제목 스타일 편집</a:t>
             </a:r>
-          </a:p>
-        </p:txBody>
-      </p:sp>
-      <p:sp>
-        <p:nvSpPr>
-          <p:cNvPr id="3" name="텍스트 개체 틀 2">
-            <a:extLst>
-              <a:ext uri="{FF2B5EF4-FFF2-40B4-BE49-F238E27FC236}">
-                <a16:creationId xmlns:a16="http://schemas.microsoft.com/office/drawing/2014/main" id="{27F4C1C7-07C4-56CF-94E7-EA01655428F7}"/>
-              </a:ext>
-            </a:extLst>
-          </p:cNvPr>
+            <a:endParaRPr lang="en-US" dirty="0"/>
+          </a:p>
+        </p:txBody>
+      </p:sp>
+      <p:sp>
+        <p:nvSpPr>
+          <p:cNvPr id="3" name="Text Placeholder 2"/>
           <p:cNvSpPr>
             <a:spLocks noGrp="1"/>
           </p:cNvSpPr>
@@ -1539,8 +1357,8 @@
         </p:nvSpPr>
         <p:spPr>
           <a:xfrm>
-            <a:off x="839788" y="1681163"/>
-            <a:ext cx="5157787" cy="823912"/>
+            <a:off x="472381" y="2988734"/>
+            <a:ext cx="2901255" cy="1464732"/>
           </a:xfrm>
         </p:spPr>
         <p:txBody>
@@ -1548,39 +1366,39 @@
           <a:lstStyle>
             <a:lvl1pPr marL="0" indent="0">
               <a:buNone/>
-              <a:defRPr sz="2400" b="1"/>
+              <a:defRPr sz="1800" b="1"/>
             </a:lvl1pPr>
-            <a:lvl2pPr marL="457200" indent="0">
-              <a:buNone/>
-              <a:defRPr sz="2000" b="1"/>
+            <a:lvl2pPr marL="342900" indent="0">
+              <a:buNone/>
+              <a:defRPr sz="1500" b="1"/>
             </a:lvl2pPr>
-            <a:lvl3pPr marL="914400" indent="0">
-              <a:buNone/>
-              <a:defRPr sz="1800" b="1"/>
+            <a:lvl3pPr marL="685800" indent="0">
+              <a:buNone/>
+              <a:defRPr sz="1350" b="1"/>
             </a:lvl3pPr>
-            <a:lvl4pPr marL="1371600" indent="0">
-              <a:buNone/>
-              <a:defRPr sz="1600" b="1"/>
+            <a:lvl4pPr marL="1028700" indent="0">
+              <a:buNone/>
+              <a:defRPr sz="1200" b="1"/>
             </a:lvl4pPr>
-            <a:lvl5pPr marL="1828800" indent="0">
-              <a:buNone/>
-              <a:defRPr sz="1600" b="1"/>
+            <a:lvl5pPr marL="1371600" indent="0">
+              <a:buNone/>
+              <a:defRPr sz="1200" b="1"/>
             </a:lvl5pPr>
-            <a:lvl6pPr marL="2286000" indent="0">
-              <a:buNone/>
-              <a:defRPr sz="1600" b="1"/>
+            <a:lvl6pPr marL="1714500" indent="0">
+              <a:buNone/>
+              <a:defRPr sz="1200" b="1"/>
             </a:lvl6pPr>
-            <a:lvl7pPr marL="2743200" indent="0">
-              <a:buNone/>
-              <a:defRPr sz="1600" b="1"/>
+            <a:lvl7pPr marL="2057400" indent="0">
+              <a:buNone/>
+              <a:defRPr sz="1200" b="1"/>
             </a:lvl7pPr>
-            <a:lvl8pPr marL="3200400" indent="0">
-              <a:buNone/>
-              <a:defRPr sz="1600" b="1"/>
+            <a:lvl8pPr marL="2400300" indent="0">
+              <a:buNone/>
+              <a:defRPr sz="1200" b="1"/>
             </a:lvl8pPr>
-            <a:lvl9pPr marL="3657600" indent="0">
-              <a:buNone/>
-              <a:defRPr sz="1600" b="1"/>
+            <a:lvl9pPr marL="2743200" indent="0">
+              <a:buNone/>
+              <a:defRPr sz="1200" b="1"/>
             </a:lvl9pPr>
           </a:lstStyle>
           <a:p>
@@ -1594,13 +1412,7 @@
       </p:sp>
       <p:sp>
         <p:nvSpPr>
-          <p:cNvPr id="4" name="내용 개체 틀 3">
-            <a:extLst>
-              <a:ext uri="{FF2B5EF4-FFF2-40B4-BE49-F238E27FC236}">
-                <a16:creationId xmlns:a16="http://schemas.microsoft.com/office/drawing/2014/main" id="{C469BD3C-E8BB-4DFD-003E-E60EDA82085F}"/>
-              </a:ext>
-            </a:extLst>
-          </p:cNvPr>
+          <p:cNvPr id="4" name="Content Placeholder 3"/>
           <p:cNvSpPr>
             <a:spLocks noGrp="1"/>
           </p:cNvSpPr>
@@ -1610,8 +1422,8 @@
         </p:nvSpPr>
         <p:spPr>
           <a:xfrm>
-            <a:off x="839788" y="2505075"/>
-            <a:ext cx="5157787" cy="3684588"/>
+            <a:off x="472381" y="4453467"/>
+            <a:ext cx="2901255" cy="6550379"/>
           </a:xfrm>
         </p:spPr>
         <p:txBody>
@@ -1651,18 +1463,13 @@
               <a:rPr lang="ko-KR" altLang="en-US"/>
               <a:t>다섯 번째 수준</a:t>
             </a:r>
-          </a:p>
-        </p:txBody>
-      </p:sp>
-      <p:sp>
-        <p:nvSpPr>
-          <p:cNvPr id="5" name="텍스트 개체 틀 4">
-            <a:extLst>
-              <a:ext uri="{FF2B5EF4-FFF2-40B4-BE49-F238E27FC236}">
-                <a16:creationId xmlns:a16="http://schemas.microsoft.com/office/drawing/2014/main" id="{76035EE6-5634-8B84-FCFB-4E25E71C7B64}"/>
-              </a:ext>
-            </a:extLst>
-          </p:cNvPr>
+            <a:endParaRPr lang="en-US" dirty="0"/>
+          </a:p>
+        </p:txBody>
+      </p:sp>
+      <p:sp>
+        <p:nvSpPr>
+          <p:cNvPr id="5" name="Text Placeholder 4"/>
           <p:cNvSpPr>
             <a:spLocks noGrp="1"/>
           </p:cNvSpPr>
@@ -1672,8 +1479,8 @@
         </p:nvSpPr>
         <p:spPr>
           <a:xfrm>
-            <a:off x="6172200" y="1681163"/>
-            <a:ext cx="5183188" cy="823912"/>
+            <a:off x="3471863" y="2988734"/>
+            <a:ext cx="2915543" cy="1464732"/>
           </a:xfrm>
         </p:spPr>
         <p:txBody>
@@ -1681,39 +1488,39 @@
           <a:lstStyle>
             <a:lvl1pPr marL="0" indent="0">
               <a:buNone/>
-              <a:defRPr sz="2400" b="1"/>
+              <a:defRPr sz="1800" b="1"/>
             </a:lvl1pPr>
-            <a:lvl2pPr marL="457200" indent="0">
-              <a:buNone/>
-              <a:defRPr sz="2000" b="1"/>
+            <a:lvl2pPr marL="342900" indent="0">
+              <a:buNone/>
+              <a:defRPr sz="1500" b="1"/>
             </a:lvl2pPr>
-            <a:lvl3pPr marL="914400" indent="0">
-              <a:buNone/>
-              <a:defRPr sz="1800" b="1"/>
+            <a:lvl3pPr marL="685800" indent="0">
+              <a:buNone/>
+              <a:defRPr sz="1350" b="1"/>
             </a:lvl3pPr>
-            <a:lvl4pPr marL="1371600" indent="0">
-              <a:buNone/>
-              <a:defRPr sz="1600" b="1"/>
+            <a:lvl4pPr marL="1028700" indent="0">
+              <a:buNone/>
+              <a:defRPr sz="1200" b="1"/>
             </a:lvl4pPr>
-            <a:lvl5pPr marL="1828800" indent="0">
-              <a:buNone/>
-              <a:defRPr sz="1600" b="1"/>
+            <a:lvl5pPr marL="1371600" indent="0">
+              <a:buNone/>
+              <a:defRPr sz="1200" b="1"/>
             </a:lvl5pPr>
-            <a:lvl6pPr marL="2286000" indent="0">
-              <a:buNone/>
-              <a:defRPr sz="1600" b="1"/>
+            <a:lvl6pPr marL="1714500" indent="0">
+              <a:buNone/>
+              <a:defRPr sz="1200" b="1"/>
             </a:lvl6pPr>
-            <a:lvl7pPr marL="2743200" indent="0">
-              <a:buNone/>
-              <a:defRPr sz="1600" b="1"/>
+            <a:lvl7pPr marL="2057400" indent="0">
+              <a:buNone/>
+              <a:defRPr sz="1200" b="1"/>
             </a:lvl7pPr>
-            <a:lvl8pPr marL="3200400" indent="0">
-              <a:buNone/>
-              <a:defRPr sz="1600" b="1"/>
+            <a:lvl8pPr marL="2400300" indent="0">
+              <a:buNone/>
+              <a:defRPr sz="1200" b="1"/>
             </a:lvl8pPr>
-            <a:lvl9pPr marL="3657600" indent="0">
-              <a:buNone/>
-              <a:defRPr sz="1600" b="1"/>
+            <a:lvl9pPr marL="2743200" indent="0">
+              <a:buNone/>
+              <a:defRPr sz="1200" b="1"/>
             </a:lvl9pPr>
           </a:lstStyle>
           <a:p>
@@ -1727,13 +1534,7 @@
       </p:sp>
       <p:sp>
         <p:nvSpPr>
-          <p:cNvPr id="6" name="내용 개체 틀 5">
-            <a:extLst>
-              <a:ext uri="{FF2B5EF4-FFF2-40B4-BE49-F238E27FC236}">
-                <a16:creationId xmlns:a16="http://schemas.microsoft.com/office/drawing/2014/main" id="{4A339940-9076-1AD0-9148-510E79160E25}"/>
-              </a:ext>
-            </a:extLst>
-          </p:cNvPr>
+          <p:cNvPr id="6" name="Content Placeholder 5"/>
           <p:cNvSpPr>
             <a:spLocks noGrp="1"/>
           </p:cNvSpPr>
@@ -1743,8 +1544,8 @@
         </p:nvSpPr>
         <p:spPr>
           <a:xfrm>
-            <a:off x="6172200" y="2505075"/>
-            <a:ext cx="5183188" cy="3684588"/>
+            <a:off x="3471863" y="4453467"/>
+            <a:ext cx="2915543" cy="6550379"/>
           </a:xfrm>
         </p:spPr>
         <p:txBody>
@@ -1784,18 +1585,13 @@
               <a:rPr lang="ko-KR" altLang="en-US"/>
               <a:t>다섯 번째 수준</a:t>
             </a:r>
-          </a:p>
-        </p:txBody>
-      </p:sp>
-      <p:sp>
-        <p:nvSpPr>
-          <p:cNvPr id="7" name="날짜 개체 틀 6">
-            <a:extLst>
-              <a:ext uri="{FF2B5EF4-FFF2-40B4-BE49-F238E27FC236}">
-                <a16:creationId xmlns:a16="http://schemas.microsoft.com/office/drawing/2014/main" id="{C864E09E-81DD-C2EC-91A3-D10DCE0B08CC}"/>
-              </a:ext>
-            </a:extLst>
-          </p:cNvPr>
+            <a:endParaRPr lang="en-US" dirty="0"/>
+          </a:p>
+        </p:txBody>
+      </p:sp>
+      <p:sp>
+        <p:nvSpPr>
+          <p:cNvPr id="7" name="Date Placeholder 6"/>
           <p:cNvSpPr>
             <a:spLocks noGrp="1"/>
           </p:cNvSpPr>
@@ -1818,13 +1614,7 @@
       </p:sp>
       <p:sp>
         <p:nvSpPr>
-          <p:cNvPr id="8" name="바닥글 개체 틀 7">
-            <a:extLst>
-              <a:ext uri="{FF2B5EF4-FFF2-40B4-BE49-F238E27FC236}">
-                <a16:creationId xmlns:a16="http://schemas.microsoft.com/office/drawing/2014/main" id="{C6EEDEB0-9B23-0BD3-911B-D5AFC67E8776}"/>
-              </a:ext>
-            </a:extLst>
-          </p:cNvPr>
+          <p:cNvPr id="8" name="Footer Placeholder 7"/>
           <p:cNvSpPr>
             <a:spLocks noGrp="1"/>
           </p:cNvSpPr>
@@ -1843,13 +1633,7 @@
       </p:sp>
       <p:sp>
         <p:nvSpPr>
-          <p:cNvPr id="9" name="슬라이드 번호 개체 틀 8">
-            <a:extLst>
-              <a:ext uri="{FF2B5EF4-FFF2-40B4-BE49-F238E27FC236}">
-                <a16:creationId xmlns:a16="http://schemas.microsoft.com/office/drawing/2014/main" id="{E3402E32-61D2-9D2F-D5AD-1E8F8A21B225}"/>
-              </a:ext>
-            </a:extLst>
-          </p:cNvPr>
+          <p:cNvPr id="9" name="Slide Number Placeholder 8"/>
           <p:cNvSpPr>
             <a:spLocks noGrp="1"/>
           </p:cNvSpPr>
@@ -1873,7 +1657,7 @@
     </p:spTree>
     <p:extLst>
       <p:ext uri="{BB962C8B-B14F-4D97-AF65-F5344CB8AC3E}">
-        <p14:creationId xmlns:p14="http://schemas.microsoft.com/office/powerpoint/2010/main" val="2276701503"/>
+        <p14:creationId xmlns:p14="http://schemas.microsoft.com/office/powerpoint/2010/main" val="845202085"/>
       </p:ext>
     </p:extLst>
   </p:cSld>
@@ -1902,13 +1686,7 @@
       </p:grpSpPr>
       <p:sp>
         <p:nvSpPr>
-          <p:cNvPr id="2" name="제목 1">
-            <a:extLst>
-              <a:ext uri="{FF2B5EF4-FFF2-40B4-BE49-F238E27FC236}">
-                <a16:creationId xmlns:a16="http://schemas.microsoft.com/office/drawing/2014/main" id="{08D286E2-00E8-D638-EADD-1EDE3F47BD6D}"/>
-              </a:ext>
-            </a:extLst>
-          </p:cNvPr>
+          <p:cNvPr id="2" name="Title 1"/>
           <p:cNvSpPr>
             <a:spLocks noGrp="1"/>
           </p:cNvSpPr>
@@ -1925,18 +1703,13 @@
               <a:rPr lang="ko-KR" altLang="en-US"/>
               <a:t>마스터 제목 스타일 편집</a:t>
             </a:r>
-          </a:p>
-        </p:txBody>
-      </p:sp>
-      <p:sp>
-        <p:nvSpPr>
-          <p:cNvPr id="3" name="날짜 개체 틀 2">
-            <a:extLst>
-              <a:ext uri="{FF2B5EF4-FFF2-40B4-BE49-F238E27FC236}">
-                <a16:creationId xmlns:a16="http://schemas.microsoft.com/office/drawing/2014/main" id="{3D672006-AB0E-2397-C83D-0D13ED85BF06}"/>
-              </a:ext>
-            </a:extLst>
-          </p:cNvPr>
+            <a:endParaRPr lang="en-US" dirty="0"/>
+          </a:p>
+        </p:txBody>
+      </p:sp>
+      <p:sp>
+        <p:nvSpPr>
+          <p:cNvPr id="3" name="Date Placeholder 2"/>
           <p:cNvSpPr>
             <a:spLocks noGrp="1"/>
           </p:cNvSpPr>
@@ -1959,13 +1732,7 @@
       </p:sp>
       <p:sp>
         <p:nvSpPr>
-          <p:cNvPr id="4" name="바닥글 개체 틀 3">
-            <a:extLst>
-              <a:ext uri="{FF2B5EF4-FFF2-40B4-BE49-F238E27FC236}">
-                <a16:creationId xmlns:a16="http://schemas.microsoft.com/office/drawing/2014/main" id="{7AE142C7-168C-2AA6-79C7-B788D85956D5}"/>
-              </a:ext>
-            </a:extLst>
-          </p:cNvPr>
+          <p:cNvPr id="4" name="Footer Placeholder 3"/>
           <p:cNvSpPr>
             <a:spLocks noGrp="1"/>
           </p:cNvSpPr>
@@ -1984,13 +1751,7 @@
       </p:sp>
       <p:sp>
         <p:nvSpPr>
-          <p:cNvPr id="5" name="슬라이드 번호 개체 틀 4">
-            <a:extLst>
-              <a:ext uri="{FF2B5EF4-FFF2-40B4-BE49-F238E27FC236}">
-                <a16:creationId xmlns:a16="http://schemas.microsoft.com/office/drawing/2014/main" id="{AB083649-2F8D-45C5-35AB-6D14C05385B7}"/>
-              </a:ext>
-            </a:extLst>
-          </p:cNvPr>
+          <p:cNvPr id="5" name="Slide Number Placeholder 4"/>
           <p:cNvSpPr>
             <a:spLocks noGrp="1"/>
           </p:cNvSpPr>
@@ -2014,7 +1775,7 @@
     </p:spTree>
     <p:extLst>
       <p:ext uri="{BB962C8B-B14F-4D97-AF65-F5344CB8AC3E}">
-        <p14:creationId xmlns:p14="http://schemas.microsoft.com/office/powerpoint/2010/main" val="3381333833"/>
+        <p14:creationId xmlns:p14="http://schemas.microsoft.com/office/powerpoint/2010/main" val="3756682159"/>
       </p:ext>
     </p:extLst>
   </p:cSld>
@@ -2043,13 +1804,7 @@
       </p:grpSpPr>
       <p:sp>
         <p:nvSpPr>
-          <p:cNvPr id="2" name="날짜 개체 틀 1">
-            <a:extLst>
-              <a:ext uri="{FF2B5EF4-FFF2-40B4-BE49-F238E27FC236}">
-                <a16:creationId xmlns:a16="http://schemas.microsoft.com/office/drawing/2014/main" id="{E3D94F84-5937-AAE8-6976-5E41608C7F66}"/>
-              </a:ext>
-            </a:extLst>
-          </p:cNvPr>
+          <p:cNvPr id="2" name="Date Placeholder 1"/>
           <p:cNvSpPr>
             <a:spLocks noGrp="1"/>
           </p:cNvSpPr>
@@ -2072,13 +1827,7 @@
       </p:sp>
       <p:sp>
         <p:nvSpPr>
-          <p:cNvPr id="3" name="바닥글 개체 틀 2">
-            <a:extLst>
-              <a:ext uri="{FF2B5EF4-FFF2-40B4-BE49-F238E27FC236}">
-                <a16:creationId xmlns:a16="http://schemas.microsoft.com/office/drawing/2014/main" id="{48D86B8D-C64D-34A1-7378-414036BE8600}"/>
-              </a:ext>
-            </a:extLst>
-          </p:cNvPr>
+          <p:cNvPr id="3" name="Footer Placeholder 2"/>
           <p:cNvSpPr>
             <a:spLocks noGrp="1"/>
           </p:cNvSpPr>
@@ -2097,13 +1846,7 @@
       </p:sp>
       <p:sp>
         <p:nvSpPr>
-          <p:cNvPr id="4" name="슬라이드 번호 개체 틀 3">
-            <a:extLst>
-              <a:ext uri="{FF2B5EF4-FFF2-40B4-BE49-F238E27FC236}">
-                <a16:creationId xmlns:a16="http://schemas.microsoft.com/office/drawing/2014/main" id="{ACAAC46A-47FA-467D-552C-7D7890C9BA61}"/>
-              </a:ext>
-            </a:extLst>
-          </p:cNvPr>
+          <p:cNvPr id="4" name="Slide Number Placeholder 3"/>
           <p:cNvSpPr>
             <a:spLocks noGrp="1"/>
           </p:cNvSpPr>
@@ -2127,7 +1870,7 @@
     </p:spTree>
     <p:extLst>
       <p:ext uri="{BB962C8B-B14F-4D97-AF65-F5344CB8AC3E}">
-        <p14:creationId xmlns:p14="http://schemas.microsoft.com/office/powerpoint/2010/main" val="2442217030"/>
+        <p14:creationId xmlns:p14="http://schemas.microsoft.com/office/powerpoint/2010/main" val="1479025746"/>
       </p:ext>
     </p:extLst>
   </p:cSld>
@@ -2156,13 +1899,7 @@
       </p:grpSpPr>
       <p:sp>
         <p:nvSpPr>
-          <p:cNvPr id="2" name="제목 1">
-            <a:extLst>
-              <a:ext uri="{FF2B5EF4-FFF2-40B4-BE49-F238E27FC236}">
-                <a16:creationId xmlns:a16="http://schemas.microsoft.com/office/drawing/2014/main" id="{26E786EC-21F6-F33A-AA07-A336AF2DC116}"/>
-              </a:ext>
-            </a:extLst>
-          </p:cNvPr>
+          <p:cNvPr id="2" name="Title 1"/>
           <p:cNvSpPr>
             <a:spLocks noGrp="1"/>
           </p:cNvSpPr>
@@ -2172,15 +1909,15 @@
         </p:nvSpPr>
         <p:spPr>
           <a:xfrm>
-            <a:off x="839788" y="457200"/>
-            <a:ext cx="3932237" cy="1600200"/>
+            <a:off x="472381" y="812800"/>
+            <a:ext cx="2211884" cy="2844800"/>
           </a:xfrm>
         </p:spPr>
         <p:txBody>
           <a:bodyPr anchor="b"/>
           <a:lstStyle>
             <a:lvl1pPr>
-              <a:defRPr sz="3200"/>
+              <a:defRPr sz="2400"/>
             </a:lvl1pPr>
           </a:lstStyle>
           <a:p>
@@ -2188,18 +1925,13 @@
               <a:rPr lang="ko-KR" altLang="en-US"/>
               <a:t>마스터 제목 스타일 편집</a:t>
             </a:r>
-          </a:p>
-        </p:txBody>
-      </p:sp>
-      <p:sp>
-        <p:nvSpPr>
-          <p:cNvPr id="3" name="내용 개체 틀 2">
-            <a:extLst>
-              <a:ext uri="{FF2B5EF4-FFF2-40B4-BE49-F238E27FC236}">
-                <a16:creationId xmlns:a16="http://schemas.microsoft.com/office/drawing/2014/main" id="{EDE0D426-FBB7-C035-C5AE-F79CCBCC18A8}"/>
-              </a:ext>
-            </a:extLst>
-          </p:cNvPr>
+            <a:endParaRPr lang="en-US" dirty="0"/>
+          </a:p>
+        </p:txBody>
+      </p:sp>
+      <p:sp>
+        <p:nvSpPr>
+          <p:cNvPr id="3" name="Content Placeholder 2"/>
           <p:cNvSpPr>
             <a:spLocks noGrp="1"/>
           </p:cNvSpPr>
@@ -2209,39 +1941,39 @@
         </p:nvSpPr>
         <p:spPr>
           <a:xfrm>
-            <a:off x="5183188" y="987425"/>
-            <a:ext cx="6172200" cy="4873625"/>
+            <a:off x="2915543" y="1755425"/>
+            <a:ext cx="3471863" cy="8664222"/>
           </a:xfrm>
         </p:spPr>
         <p:txBody>
           <a:bodyPr/>
           <a:lstStyle>
             <a:lvl1pPr>
-              <a:defRPr sz="3200"/>
+              <a:defRPr sz="2400"/>
             </a:lvl1pPr>
             <a:lvl2pPr>
-              <a:defRPr sz="2800"/>
+              <a:defRPr sz="2100"/>
             </a:lvl2pPr>
             <a:lvl3pPr>
-              <a:defRPr sz="2400"/>
+              <a:defRPr sz="1800"/>
             </a:lvl3pPr>
             <a:lvl4pPr>
-              <a:defRPr sz="2000"/>
+              <a:defRPr sz="1500"/>
             </a:lvl4pPr>
             <a:lvl5pPr>
-              <a:defRPr sz="2000"/>
+              <a:defRPr sz="1500"/>
             </a:lvl5pPr>
             <a:lvl6pPr>
-              <a:defRPr sz="2000"/>
+              <a:defRPr sz="1500"/>
             </a:lvl6pPr>
             <a:lvl7pPr>
-              <a:defRPr sz="2000"/>
+              <a:defRPr sz="1500"/>
             </a:lvl7pPr>
             <a:lvl8pPr>
-              <a:defRPr sz="2000"/>
+              <a:defRPr sz="1500"/>
             </a:lvl8pPr>
             <a:lvl9pPr>
-              <a:defRPr sz="2000"/>
+              <a:defRPr sz="1500"/>
             </a:lvl9pPr>
           </a:lstStyle>
           <a:p>
@@ -2278,18 +2010,13 @@
               <a:rPr lang="ko-KR" altLang="en-US"/>
               <a:t>다섯 번째 수준</a:t>
             </a:r>
-          </a:p>
-        </p:txBody>
-      </p:sp>
-      <p:sp>
-        <p:nvSpPr>
-          <p:cNvPr id="4" name="텍스트 개체 틀 3">
-            <a:extLst>
-              <a:ext uri="{FF2B5EF4-FFF2-40B4-BE49-F238E27FC236}">
-                <a16:creationId xmlns:a16="http://schemas.microsoft.com/office/drawing/2014/main" id="{45C17EEE-664F-6669-D52F-4B65538BC99F}"/>
-              </a:ext>
-            </a:extLst>
-          </p:cNvPr>
+            <a:endParaRPr lang="en-US" dirty="0"/>
+          </a:p>
+        </p:txBody>
+      </p:sp>
+      <p:sp>
+        <p:nvSpPr>
+          <p:cNvPr id="4" name="Text Placeholder 3"/>
           <p:cNvSpPr>
             <a:spLocks noGrp="1"/>
           </p:cNvSpPr>
@@ -2299,8 +2026,8 @@
         </p:nvSpPr>
         <p:spPr>
           <a:xfrm>
-            <a:off x="839788" y="2057400"/>
-            <a:ext cx="3932237" cy="3811588"/>
+            <a:off x="472381" y="3657600"/>
+            <a:ext cx="2211884" cy="6776156"/>
           </a:xfrm>
         </p:spPr>
         <p:txBody>
@@ -2308,39 +2035,39 @@
           <a:lstStyle>
             <a:lvl1pPr marL="0" indent="0">
               <a:buNone/>
-              <a:defRPr sz="1600"/>
+              <a:defRPr sz="1200"/>
             </a:lvl1pPr>
-            <a:lvl2pPr marL="457200" indent="0">
-              <a:buNone/>
-              <a:defRPr sz="1400"/>
+            <a:lvl2pPr marL="342900" indent="0">
+              <a:buNone/>
+              <a:defRPr sz="1050"/>
             </a:lvl2pPr>
-            <a:lvl3pPr marL="914400" indent="0">
-              <a:buNone/>
-              <a:defRPr sz="1200"/>
+            <a:lvl3pPr marL="685800" indent="0">
+              <a:buNone/>
+              <a:defRPr sz="900"/>
             </a:lvl3pPr>
-            <a:lvl4pPr marL="1371600" indent="0">
-              <a:buNone/>
-              <a:defRPr sz="1000"/>
+            <a:lvl4pPr marL="1028700" indent="0">
+              <a:buNone/>
+              <a:defRPr sz="750"/>
             </a:lvl4pPr>
-            <a:lvl5pPr marL="1828800" indent="0">
-              <a:buNone/>
-              <a:defRPr sz="1000"/>
+            <a:lvl5pPr marL="1371600" indent="0">
+              <a:buNone/>
+              <a:defRPr sz="750"/>
             </a:lvl5pPr>
-            <a:lvl6pPr marL="2286000" indent="0">
-              <a:buNone/>
-              <a:defRPr sz="1000"/>
+            <a:lvl6pPr marL="1714500" indent="0">
+              <a:buNone/>
+              <a:defRPr sz="750"/>
             </a:lvl6pPr>
-            <a:lvl7pPr marL="2743200" indent="0">
-              <a:buNone/>
-              <a:defRPr sz="1000"/>
+            <a:lvl7pPr marL="2057400" indent="0">
+              <a:buNone/>
+              <a:defRPr sz="750"/>
             </a:lvl7pPr>
-            <a:lvl8pPr marL="3200400" indent="0">
-              <a:buNone/>
-              <a:defRPr sz="1000"/>
+            <a:lvl8pPr marL="2400300" indent="0">
+              <a:buNone/>
+              <a:defRPr sz="750"/>
             </a:lvl8pPr>
-            <a:lvl9pPr marL="3657600" indent="0">
-              <a:buNone/>
-              <a:defRPr sz="1000"/>
+            <a:lvl9pPr marL="2743200" indent="0">
+              <a:buNone/>
+              <a:defRPr sz="750"/>
             </a:lvl9pPr>
           </a:lstStyle>
           <a:p>
@@ -2354,13 +2081,7 @@
       </p:sp>
       <p:sp>
         <p:nvSpPr>
-          <p:cNvPr id="5" name="날짜 개체 틀 4">
-            <a:extLst>
-              <a:ext uri="{FF2B5EF4-FFF2-40B4-BE49-F238E27FC236}">
-                <a16:creationId xmlns:a16="http://schemas.microsoft.com/office/drawing/2014/main" id="{06A78254-F1E4-EDB8-6E7A-A9BE0883FEC4}"/>
-              </a:ext>
-            </a:extLst>
-          </p:cNvPr>
+          <p:cNvPr id="5" name="Date Placeholder 4"/>
           <p:cNvSpPr>
             <a:spLocks noGrp="1"/>
           </p:cNvSpPr>
@@ -2383,13 +2104,7 @@
       </p:sp>
       <p:sp>
         <p:nvSpPr>
-          <p:cNvPr id="6" name="바닥글 개체 틀 5">
-            <a:extLst>
-              <a:ext uri="{FF2B5EF4-FFF2-40B4-BE49-F238E27FC236}">
-                <a16:creationId xmlns:a16="http://schemas.microsoft.com/office/drawing/2014/main" id="{4E601CDB-C6F1-04C1-4371-67D71F466AFB}"/>
-              </a:ext>
-            </a:extLst>
-          </p:cNvPr>
+          <p:cNvPr id="6" name="Footer Placeholder 5"/>
           <p:cNvSpPr>
             <a:spLocks noGrp="1"/>
           </p:cNvSpPr>
@@ -2408,13 +2123,7 @@
       </p:sp>
       <p:sp>
         <p:nvSpPr>
-          <p:cNvPr id="7" name="슬라이드 번호 개체 틀 6">
-            <a:extLst>
-              <a:ext uri="{FF2B5EF4-FFF2-40B4-BE49-F238E27FC236}">
-                <a16:creationId xmlns:a16="http://schemas.microsoft.com/office/drawing/2014/main" id="{98D12001-E1EC-58CE-FEA0-0649D77EECF4}"/>
-              </a:ext>
-            </a:extLst>
-          </p:cNvPr>
+          <p:cNvPr id="7" name="Slide Number Placeholder 6"/>
           <p:cNvSpPr>
             <a:spLocks noGrp="1"/>
           </p:cNvSpPr>
@@ -2438,7 +2147,7 @@
     </p:spTree>
     <p:extLst>
       <p:ext uri="{BB962C8B-B14F-4D97-AF65-F5344CB8AC3E}">
-        <p14:creationId xmlns:p14="http://schemas.microsoft.com/office/powerpoint/2010/main" val="2980525902"/>
+        <p14:creationId xmlns:p14="http://schemas.microsoft.com/office/powerpoint/2010/main" val="384352849"/>
       </p:ext>
     </p:extLst>
   </p:cSld>
@@ -2467,13 +2176,7 @@
       </p:grpSpPr>
       <p:sp>
         <p:nvSpPr>
-          <p:cNvPr id="2" name="제목 1">
-            <a:extLst>
-              <a:ext uri="{FF2B5EF4-FFF2-40B4-BE49-F238E27FC236}">
-                <a16:creationId xmlns:a16="http://schemas.microsoft.com/office/drawing/2014/main" id="{310AAB19-9A5C-376B-CD51-739BBE3B1D59}"/>
-              </a:ext>
-            </a:extLst>
-          </p:cNvPr>
+          <p:cNvPr id="2" name="Title 1"/>
           <p:cNvSpPr>
             <a:spLocks noGrp="1"/>
           </p:cNvSpPr>
@@ -2483,15 +2186,15 @@
         </p:nvSpPr>
         <p:spPr>
           <a:xfrm>
-            <a:off x="839788" y="457200"/>
-            <a:ext cx="3932237" cy="1600200"/>
+            <a:off x="472381" y="812800"/>
+            <a:ext cx="2211884" cy="2844800"/>
           </a:xfrm>
         </p:spPr>
         <p:txBody>
           <a:bodyPr anchor="b"/>
           <a:lstStyle>
             <a:lvl1pPr>
-              <a:defRPr sz="3200"/>
+              <a:defRPr sz="2400"/>
             </a:lvl1pPr>
           </a:lstStyle>
           <a:p>
@@ -2499,20 +2202,15 @@
               <a:rPr lang="ko-KR" altLang="en-US"/>
               <a:t>마스터 제목 스타일 편집</a:t>
             </a:r>
-          </a:p>
-        </p:txBody>
-      </p:sp>
-      <p:sp>
-        <p:nvSpPr>
-          <p:cNvPr id="3" name="그림 개체 틀 2">
-            <a:extLst>
-              <a:ext uri="{FF2B5EF4-FFF2-40B4-BE49-F238E27FC236}">
-                <a16:creationId xmlns:a16="http://schemas.microsoft.com/office/drawing/2014/main" id="{EC9CC3D3-B847-B75B-E34E-EB88DE2AF488}"/>
-              </a:ext>
-            </a:extLst>
-          </p:cNvPr>
-          <p:cNvSpPr>
-            <a:spLocks noGrp="1"/>
+            <a:endParaRPr lang="en-US" dirty="0"/>
+          </a:p>
+        </p:txBody>
+      </p:sp>
+      <p:sp>
+        <p:nvSpPr>
+          <p:cNvPr id="3" name="Picture Placeholder 2"/>
+          <p:cNvSpPr>
+            <a:spLocks noGrp="1" noChangeAspect="1"/>
           </p:cNvSpPr>
           <p:nvPr>
             <p:ph type="pic" idx="1"/>
@@ -2520,64 +2218,62 @@
         </p:nvSpPr>
         <p:spPr>
           <a:xfrm>
-            <a:off x="5183188" y="987425"/>
-            <a:ext cx="6172200" cy="4873625"/>
+            <a:off x="2915543" y="1755425"/>
+            <a:ext cx="3471863" cy="8664222"/>
           </a:xfrm>
         </p:spPr>
         <p:txBody>
-          <a:bodyPr/>
+          <a:bodyPr anchor="t"/>
           <a:lstStyle>
             <a:lvl1pPr marL="0" indent="0">
               <a:buNone/>
-              <a:defRPr sz="3200"/>
+              <a:defRPr sz="2400"/>
             </a:lvl1pPr>
-            <a:lvl2pPr marL="457200" indent="0">
-              <a:buNone/>
-              <a:defRPr sz="2800"/>
+            <a:lvl2pPr marL="342900" indent="0">
+              <a:buNone/>
+              <a:defRPr sz="2100"/>
             </a:lvl2pPr>
-            <a:lvl3pPr marL="914400" indent="0">
-              <a:buNone/>
-              <a:defRPr sz="2400"/>
+            <a:lvl3pPr marL="685800" indent="0">
+              <a:buNone/>
+              <a:defRPr sz="1800"/>
             </a:lvl3pPr>
-            <a:lvl4pPr marL="1371600" indent="0">
-              <a:buNone/>
-              <a:defRPr sz="2000"/>
+            <a:lvl4pPr marL="1028700" indent="0">
+              <a:buNone/>
+              <a:defRPr sz="1500"/>
             </a:lvl4pPr>
-            <a:lvl5pPr marL="1828800" indent="0">
-              <a:buNone/>
-              <a:defRPr sz="2000"/>
+            <a:lvl5pPr marL="1371600" indent="0">
+              <a:buNone/>
+              <a:defRPr sz="1500"/>
             </a:lvl5pPr>
-            <a:lvl6pPr marL="2286000" indent="0">
-              <a:buNone/>
-              <a:defRPr sz="2000"/>
+            <a:lvl6pPr marL="1714500" indent="0">
+              <a:buNone/>
+              <a:defRPr sz="1500"/>
             </a:lvl6pPr>
-            <a:lvl7pPr marL="2743200" indent="0">
-              <a:buNone/>
-              <a:defRPr sz="2000"/>
+            <a:lvl7pPr marL="2057400" indent="0">
+              <a:buNone/>
+              <a:defRPr sz="1500"/>
             </a:lvl7pPr>
-            <a:lvl8pPr marL="3200400" indent="0">
-              <a:buNone/>
-              <a:defRPr sz="2000"/>
+            <a:lvl8pPr marL="2400300" indent="0">
+              <a:buNone/>
+              <a:defRPr sz="1500"/>
             </a:lvl8pPr>
-            <a:lvl9pPr marL="3657600" indent="0">
-              <a:buNone/>
-              <a:defRPr sz="2000"/>
+            <a:lvl9pPr marL="2743200" indent="0">
+              <a:buNone/>
+              <a:defRPr sz="1500"/>
             </a:lvl9pPr>
           </a:lstStyle>
           <a:p>
-            <a:endParaRPr lang="ko-KR" altLang="en-US"/>
-          </a:p>
-        </p:txBody>
-      </p:sp>
-      <p:sp>
-        <p:nvSpPr>
-          <p:cNvPr id="4" name="텍스트 개체 틀 3">
-            <a:extLst>
-              <a:ext uri="{FF2B5EF4-FFF2-40B4-BE49-F238E27FC236}">
-                <a16:creationId xmlns:a16="http://schemas.microsoft.com/office/drawing/2014/main" id="{EB11E7F8-BE58-32E9-AF89-0B3B24161C72}"/>
-              </a:ext>
-            </a:extLst>
-          </p:cNvPr>
+            <a:r>
+              <a:rPr lang="ko-KR" altLang="en-US"/>
+              <a:t>그림을 추가하려면 아이콘을 클릭하십시오</a:t>
+            </a:r>
+            <a:endParaRPr lang="en-US" dirty="0"/>
+          </a:p>
+        </p:txBody>
+      </p:sp>
+      <p:sp>
+        <p:nvSpPr>
+          <p:cNvPr id="4" name="Text Placeholder 3"/>
           <p:cNvSpPr>
             <a:spLocks noGrp="1"/>
           </p:cNvSpPr>
@@ -2587,8 +2283,8 @@
         </p:nvSpPr>
         <p:spPr>
           <a:xfrm>
-            <a:off x="839788" y="2057400"/>
-            <a:ext cx="3932237" cy="3811588"/>
+            <a:off x="472381" y="3657600"/>
+            <a:ext cx="2211884" cy="6776156"/>
           </a:xfrm>
         </p:spPr>
         <p:txBody>
@@ -2596,39 +2292,39 @@
           <a:lstStyle>
             <a:lvl1pPr marL="0" indent="0">
               <a:buNone/>
-              <a:defRPr sz="1600"/>
+              <a:defRPr sz="1200"/>
             </a:lvl1pPr>
-            <a:lvl2pPr marL="457200" indent="0">
-              <a:buNone/>
-              <a:defRPr sz="1400"/>
+            <a:lvl2pPr marL="342900" indent="0">
+              <a:buNone/>
+              <a:defRPr sz="1050"/>
             </a:lvl2pPr>
-            <a:lvl3pPr marL="914400" indent="0">
-              <a:buNone/>
-              <a:defRPr sz="1200"/>
+            <a:lvl3pPr marL="685800" indent="0">
+              <a:buNone/>
+              <a:defRPr sz="900"/>
             </a:lvl3pPr>
-            <a:lvl4pPr marL="1371600" indent="0">
-              <a:buNone/>
-              <a:defRPr sz="1000"/>
+            <a:lvl4pPr marL="1028700" indent="0">
+              <a:buNone/>
+              <a:defRPr sz="750"/>
             </a:lvl4pPr>
-            <a:lvl5pPr marL="1828800" indent="0">
-              <a:buNone/>
-              <a:defRPr sz="1000"/>
+            <a:lvl5pPr marL="1371600" indent="0">
+              <a:buNone/>
+              <a:defRPr sz="750"/>
             </a:lvl5pPr>
-            <a:lvl6pPr marL="2286000" indent="0">
-              <a:buNone/>
-              <a:defRPr sz="1000"/>
+            <a:lvl6pPr marL="1714500" indent="0">
+              <a:buNone/>
+              <a:defRPr sz="750"/>
             </a:lvl6pPr>
-            <a:lvl7pPr marL="2743200" indent="0">
-              <a:buNone/>
-              <a:defRPr sz="1000"/>
+            <a:lvl7pPr marL="2057400" indent="0">
+              <a:buNone/>
+              <a:defRPr sz="750"/>
             </a:lvl7pPr>
-            <a:lvl8pPr marL="3200400" indent="0">
-              <a:buNone/>
-              <a:defRPr sz="1000"/>
+            <a:lvl8pPr marL="2400300" indent="0">
+              <a:buNone/>
+              <a:defRPr sz="750"/>
             </a:lvl8pPr>
-            <a:lvl9pPr marL="3657600" indent="0">
-              <a:buNone/>
-              <a:defRPr sz="1000"/>
+            <a:lvl9pPr marL="2743200" indent="0">
+              <a:buNone/>
+              <a:defRPr sz="750"/>
             </a:lvl9pPr>
           </a:lstStyle>
           <a:p>
@@ -2642,13 +2338,7 @@
       </p:sp>
       <p:sp>
         <p:nvSpPr>
-          <p:cNvPr id="5" name="날짜 개체 틀 4">
-            <a:extLst>
-              <a:ext uri="{FF2B5EF4-FFF2-40B4-BE49-F238E27FC236}">
-                <a16:creationId xmlns:a16="http://schemas.microsoft.com/office/drawing/2014/main" id="{B970B941-941A-6616-26B5-DB6AF5BC7E60}"/>
-              </a:ext>
-            </a:extLst>
-          </p:cNvPr>
+          <p:cNvPr id="5" name="Date Placeholder 4"/>
           <p:cNvSpPr>
             <a:spLocks noGrp="1"/>
           </p:cNvSpPr>
@@ -2671,13 +2361,7 @@
       </p:sp>
       <p:sp>
         <p:nvSpPr>
-          <p:cNvPr id="6" name="바닥글 개체 틀 5">
-            <a:extLst>
-              <a:ext uri="{FF2B5EF4-FFF2-40B4-BE49-F238E27FC236}">
-                <a16:creationId xmlns:a16="http://schemas.microsoft.com/office/drawing/2014/main" id="{4C9B3A6B-44A6-C840-F734-4C8A6DFB6DBA}"/>
-              </a:ext>
-            </a:extLst>
-          </p:cNvPr>
+          <p:cNvPr id="6" name="Footer Placeholder 5"/>
           <p:cNvSpPr>
             <a:spLocks noGrp="1"/>
           </p:cNvSpPr>
@@ -2696,13 +2380,7 @@
       </p:sp>
       <p:sp>
         <p:nvSpPr>
-          <p:cNvPr id="7" name="슬라이드 번호 개체 틀 6">
-            <a:extLst>
-              <a:ext uri="{FF2B5EF4-FFF2-40B4-BE49-F238E27FC236}">
-                <a16:creationId xmlns:a16="http://schemas.microsoft.com/office/drawing/2014/main" id="{74A7CB8E-FBA6-2169-D0FE-E26FCBB47575}"/>
-              </a:ext>
-            </a:extLst>
-          </p:cNvPr>
+          <p:cNvPr id="7" name="Slide Number Placeholder 6"/>
           <p:cNvSpPr>
             <a:spLocks noGrp="1"/>
           </p:cNvSpPr>
@@ -2726,7 +2404,7 @@
     </p:spTree>
     <p:extLst>
       <p:ext uri="{BB962C8B-B14F-4D97-AF65-F5344CB8AC3E}">
-        <p14:creationId xmlns:p14="http://schemas.microsoft.com/office/powerpoint/2010/main" val="966599369"/>
+        <p14:creationId xmlns:p14="http://schemas.microsoft.com/office/powerpoint/2010/main" val="1246410406"/>
       </p:ext>
     </p:extLst>
   </p:cSld>
@@ -2760,13 +2438,7 @@
       </p:grpSpPr>
       <p:sp>
         <p:nvSpPr>
-          <p:cNvPr id="2" name="제목 개체 틀 1">
-            <a:extLst>
-              <a:ext uri="{FF2B5EF4-FFF2-40B4-BE49-F238E27FC236}">
-                <a16:creationId xmlns:a16="http://schemas.microsoft.com/office/drawing/2014/main" id="{254A3822-D530-68D4-7BC4-0EAC4F203051}"/>
-              </a:ext>
-            </a:extLst>
-          </p:cNvPr>
+          <p:cNvPr id="2" name="Title Placeholder 1"/>
           <p:cNvSpPr>
             <a:spLocks noGrp="1"/>
           </p:cNvSpPr>
@@ -2776,8 +2448,8 @@
         </p:nvSpPr>
         <p:spPr>
           <a:xfrm>
-            <a:off x="838200" y="365125"/>
-            <a:ext cx="10515600" cy="1325563"/>
+            <a:off x="471488" y="649114"/>
+            <a:ext cx="5915025" cy="2356556"/>
           </a:xfrm>
           <a:prstGeom prst="rect">
             <a:avLst/>
@@ -2793,18 +2465,13 @@
               <a:rPr lang="ko-KR" altLang="en-US"/>
               <a:t>마스터 제목 스타일 편집</a:t>
             </a:r>
-          </a:p>
-        </p:txBody>
-      </p:sp>
-      <p:sp>
-        <p:nvSpPr>
-          <p:cNvPr id="3" name="텍스트 개체 틀 2">
-            <a:extLst>
-              <a:ext uri="{FF2B5EF4-FFF2-40B4-BE49-F238E27FC236}">
-                <a16:creationId xmlns:a16="http://schemas.microsoft.com/office/drawing/2014/main" id="{E1AD2640-8A95-938A-B406-1A5004725B5D}"/>
-              </a:ext>
-            </a:extLst>
-          </p:cNvPr>
+            <a:endParaRPr lang="en-US" dirty="0"/>
+          </a:p>
+        </p:txBody>
+      </p:sp>
+      <p:sp>
+        <p:nvSpPr>
+          <p:cNvPr id="3" name="Text Placeholder 2"/>
           <p:cNvSpPr>
             <a:spLocks noGrp="1"/>
           </p:cNvSpPr>
@@ -2814,8 +2481,8 @@
         </p:nvSpPr>
         <p:spPr>
           <a:xfrm>
-            <a:off x="838200" y="1825625"/>
-            <a:ext cx="10515600" cy="4351338"/>
+            <a:off x="471488" y="3245556"/>
+            <a:ext cx="5915025" cy="7735712"/>
           </a:xfrm>
           <a:prstGeom prst="rect">
             <a:avLst/>
@@ -2860,18 +2527,13 @@
               <a:rPr lang="ko-KR" altLang="en-US"/>
               <a:t>다섯 번째 수준</a:t>
             </a:r>
-          </a:p>
-        </p:txBody>
-      </p:sp>
-      <p:sp>
-        <p:nvSpPr>
-          <p:cNvPr id="4" name="날짜 개체 틀 3">
-            <a:extLst>
-              <a:ext uri="{FF2B5EF4-FFF2-40B4-BE49-F238E27FC236}">
-                <a16:creationId xmlns:a16="http://schemas.microsoft.com/office/drawing/2014/main" id="{03D8C323-73D1-A3DF-19A5-F83FEDB9E37E}"/>
-              </a:ext>
-            </a:extLst>
-          </p:cNvPr>
+            <a:endParaRPr lang="en-US" dirty="0"/>
+          </a:p>
+        </p:txBody>
+      </p:sp>
+      <p:sp>
+        <p:nvSpPr>
+          <p:cNvPr id="4" name="Date Placeholder 3"/>
           <p:cNvSpPr>
             <a:spLocks noGrp="1"/>
           </p:cNvSpPr>
@@ -2881,8 +2543,8 @@
         </p:nvSpPr>
         <p:spPr>
           <a:xfrm>
-            <a:off x="838200" y="6356350"/>
-            <a:ext cx="2743200" cy="365125"/>
+            <a:off x="471488" y="11300181"/>
+            <a:ext cx="1543050" cy="649111"/>
           </a:xfrm>
           <a:prstGeom prst="rect">
             <a:avLst/>
@@ -2892,7 +2554,7 @@
           <a:bodyPr vert="horz" lIns="91440" tIns="45720" rIns="91440" bIns="45720" rtlCol="0" anchor="ctr"/>
           <a:lstStyle>
             <a:lvl1pPr algn="l">
-              <a:defRPr sz="1200">
+              <a:defRPr sz="900">
                 <a:solidFill>
                   <a:schemeClr val="tx1">
                     <a:tint val="75000"/>
@@ -2912,13 +2574,7 @@
       </p:sp>
       <p:sp>
         <p:nvSpPr>
-          <p:cNvPr id="5" name="바닥글 개체 틀 4">
-            <a:extLst>
-              <a:ext uri="{FF2B5EF4-FFF2-40B4-BE49-F238E27FC236}">
-                <a16:creationId xmlns:a16="http://schemas.microsoft.com/office/drawing/2014/main" id="{8D1D1BF8-ABC4-1AAF-5F2E-A57B768B7E09}"/>
-              </a:ext>
-            </a:extLst>
-          </p:cNvPr>
+          <p:cNvPr id="5" name="Footer Placeholder 4"/>
           <p:cNvSpPr>
             <a:spLocks noGrp="1"/>
           </p:cNvSpPr>
@@ -2928,8 +2584,8 @@
         </p:nvSpPr>
         <p:spPr>
           <a:xfrm>
-            <a:off x="4038600" y="6356350"/>
-            <a:ext cx="4114800" cy="365125"/>
+            <a:off x="2271713" y="11300181"/>
+            <a:ext cx="2314575" cy="649111"/>
           </a:xfrm>
           <a:prstGeom prst="rect">
             <a:avLst/>
@@ -2939,7 +2595,7 @@
           <a:bodyPr vert="horz" lIns="91440" tIns="45720" rIns="91440" bIns="45720" rtlCol="0" anchor="ctr"/>
           <a:lstStyle>
             <a:lvl1pPr algn="ctr">
-              <a:defRPr sz="1200">
+              <a:defRPr sz="900">
                 <a:solidFill>
                   <a:schemeClr val="tx1">
                     <a:tint val="75000"/>
@@ -2955,13 +2611,7 @@
       </p:sp>
       <p:sp>
         <p:nvSpPr>
-          <p:cNvPr id="6" name="슬라이드 번호 개체 틀 5">
-            <a:extLst>
-              <a:ext uri="{FF2B5EF4-FFF2-40B4-BE49-F238E27FC236}">
-                <a16:creationId xmlns:a16="http://schemas.microsoft.com/office/drawing/2014/main" id="{4A8DF47E-04D5-E87D-9C86-D81F220A4E1C}"/>
-              </a:ext>
-            </a:extLst>
-          </p:cNvPr>
+          <p:cNvPr id="6" name="Slide Number Placeholder 5"/>
           <p:cNvSpPr>
             <a:spLocks noGrp="1"/>
           </p:cNvSpPr>
@@ -2971,8 +2621,8 @@
         </p:nvSpPr>
         <p:spPr>
           <a:xfrm>
-            <a:off x="8610600" y="6356350"/>
-            <a:ext cx="2743200" cy="365125"/>
+            <a:off x="4843463" y="11300181"/>
+            <a:ext cx="1543050" cy="649111"/>
           </a:xfrm>
           <a:prstGeom prst="rect">
             <a:avLst/>
@@ -2982,7 +2632,7 @@
           <a:bodyPr vert="horz" lIns="91440" tIns="45720" rIns="91440" bIns="45720" rtlCol="0" anchor="ctr"/>
           <a:lstStyle>
             <a:lvl1pPr algn="r">
-              <a:defRPr sz="1200">
+              <a:defRPr sz="900">
                 <a:solidFill>
                   <a:schemeClr val="tx1">
                     <a:tint val="75000"/>
@@ -3003,27 +2653,27 @@
     </p:spTree>
     <p:extLst>
       <p:ext uri="{BB962C8B-B14F-4D97-AF65-F5344CB8AC3E}">
-        <p14:creationId xmlns:p14="http://schemas.microsoft.com/office/powerpoint/2010/main" val="3973792210"/>
+        <p14:creationId xmlns:p14="http://schemas.microsoft.com/office/powerpoint/2010/main" val="1256712291"/>
       </p:ext>
     </p:extLst>
   </p:cSld>
   <p:clrMap bg1="lt1" tx1="dk1" bg2="lt2" tx2="dk2" accent1="accent1" accent2="accent2" accent3="accent3" accent4="accent4" accent5="accent5" accent6="accent6" hlink="hlink" folHlink="folHlink"/>
   <p:sldLayoutIdLst>
-    <p:sldLayoutId id="2147483649" r:id="rId1"/>
-    <p:sldLayoutId id="2147483650" r:id="rId2"/>
-    <p:sldLayoutId id="2147483651" r:id="rId3"/>
-    <p:sldLayoutId id="2147483652" r:id="rId4"/>
-    <p:sldLayoutId id="2147483653" r:id="rId5"/>
-    <p:sldLayoutId id="2147483654" r:id="rId6"/>
-    <p:sldLayoutId id="2147483655" r:id="rId7"/>
-    <p:sldLayoutId id="2147483656" r:id="rId8"/>
-    <p:sldLayoutId id="2147483657" r:id="rId9"/>
-    <p:sldLayoutId id="2147483658" r:id="rId10"/>
-    <p:sldLayoutId id="2147483659" r:id="rId11"/>
+    <p:sldLayoutId id="2147483661" r:id="rId1"/>
+    <p:sldLayoutId id="2147483662" r:id="rId2"/>
+    <p:sldLayoutId id="2147483663" r:id="rId3"/>
+    <p:sldLayoutId id="2147483664" r:id="rId4"/>
+    <p:sldLayoutId id="2147483665" r:id="rId5"/>
+    <p:sldLayoutId id="2147483666" r:id="rId6"/>
+    <p:sldLayoutId id="2147483667" r:id="rId7"/>
+    <p:sldLayoutId id="2147483668" r:id="rId8"/>
+    <p:sldLayoutId id="2147483669" r:id="rId9"/>
+    <p:sldLayoutId id="2147483670" r:id="rId10"/>
+    <p:sldLayoutId id="2147483671" r:id="rId11"/>
   </p:sldLayoutIdLst>
   <p:txStyles>
     <p:titleStyle>
-      <a:lvl1pPr algn="l" defTabSz="914400" rtl="0" eaLnBrk="1" latinLnBrk="1" hangingPunct="1">
+      <a:lvl1pPr algn="l" defTabSz="685800" rtl="0" eaLnBrk="1" latinLnBrk="1" hangingPunct="1">
         <a:lnSpc>
           <a:spcPct val="90000"/>
         </a:lnSpc>
@@ -3031,7 +2681,7 @@
           <a:spcPct val="0"/>
         </a:spcBef>
         <a:buNone/>
-        <a:defRPr sz="4400" kern="1200">
+        <a:defRPr sz="3300" kern="1200">
           <a:solidFill>
             <a:schemeClr val="tx1"/>
           </a:solidFill>
@@ -3042,16 +2692,16 @@
       </a:lvl1pPr>
     </p:titleStyle>
     <p:bodyStyle>
-      <a:lvl1pPr marL="228600" indent="-228600" algn="l" defTabSz="914400" rtl="0" eaLnBrk="1" latinLnBrk="1" hangingPunct="1">
+      <a:lvl1pPr marL="171450" indent="-171450" algn="l" defTabSz="685800" rtl="0" eaLnBrk="1" latinLnBrk="1" hangingPunct="1">
         <a:lnSpc>
           <a:spcPct val="90000"/>
         </a:lnSpc>
         <a:spcBef>
-          <a:spcPts val="1000"/>
+          <a:spcPts val="750"/>
         </a:spcBef>
         <a:buFont typeface="Arial" panose="020B0604020202020204" pitchFamily="34" charset="0"/>
         <a:buChar char="•"/>
-        <a:defRPr sz="2800" kern="1200">
+        <a:defRPr sz="2100" kern="1200">
           <a:solidFill>
             <a:schemeClr val="tx1"/>
           </a:solidFill>
@@ -3060,48 +2710,12 @@
           <a:cs typeface="+mn-cs"/>
         </a:defRPr>
       </a:lvl1pPr>
-      <a:lvl2pPr marL="685800" indent="-228600" algn="l" defTabSz="914400" rtl="0" eaLnBrk="1" latinLnBrk="1" hangingPunct="1">
+      <a:lvl2pPr marL="514350" indent="-171450" algn="l" defTabSz="685800" rtl="0" eaLnBrk="1" latinLnBrk="1" hangingPunct="1">
         <a:lnSpc>
           <a:spcPct val="90000"/>
         </a:lnSpc>
         <a:spcBef>
-          <a:spcPts val="500"/>
-        </a:spcBef>
-        <a:buFont typeface="Arial" panose="020B0604020202020204" pitchFamily="34" charset="0"/>
-        <a:buChar char="•"/>
-        <a:defRPr sz="2400" kern="1200">
-          <a:solidFill>
-            <a:schemeClr val="tx1"/>
-          </a:solidFill>
-          <a:latin typeface="+mn-lt"/>
-          <a:ea typeface="+mn-ea"/>
-          <a:cs typeface="+mn-cs"/>
-        </a:defRPr>
-      </a:lvl2pPr>
-      <a:lvl3pPr marL="1143000" indent="-228600" algn="l" defTabSz="914400" rtl="0" eaLnBrk="1" latinLnBrk="1" hangingPunct="1">
-        <a:lnSpc>
-          <a:spcPct val="90000"/>
-        </a:lnSpc>
-        <a:spcBef>
-          <a:spcPts val="500"/>
-        </a:spcBef>
-        <a:buFont typeface="Arial" panose="020B0604020202020204" pitchFamily="34" charset="0"/>
-        <a:buChar char="•"/>
-        <a:defRPr sz="2000" kern="1200">
-          <a:solidFill>
-            <a:schemeClr val="tx1"/>
-          </a:solidFill>
-          <a:latin typeface="+mn-lt"/>
-          <a:ea typeface="+mn-ea"/>
-          <a:cs typeface="+mn-cs"/>
-        </a:defRPr>
-      </a:lvl3pPr>
-      <a:lvl4pPr marL="1600200" indent="-228600" algn="l" defTabSz="914400" rtl="0" eaLnBrk="1" latinLnBrk="1" hangingPunct="1">
-        <a:lnSpc>
-          <a:spcPct val="90000"/>
-        </a:lnSpc>
-        <a:spcBef>
-          <a:spcPts val="500"/>
+          <a:spcPts val="375"/>
         </a:spcBef>
         <a:buFont typeface="Arial" panose="020B0604020202020204" pitchFamily="34" charset="0"/>
         <a:buChar char="•"/>
@@ -3113,17 +2727,53 @@
           <a:ea typeface="+mn-ea"/>
           <a:cs typeface="+mn-cs"/>
         </a:defRPr>
-      </a:lvl4pPr>
-      <a:lvl5pPr marL="2057400" indent="-228600" algn="l" defTabSz="914400" rtl="0" eaLnBrk="1" latinLnBrk="1" hangingPunct="1">
+      </a:lvl2pPr>
+      <a:lvl3pPr marL="857250" indent="-171450" algn="l" defTabSz="685800" rtl="0" eaLnBrk="1" latinLnBrk="1" hangingPunct="1">
         <a:lnSpc>
           <a:spcPct val="90000"/>
         </a:lnSpc>
         <a:spcBef>
-          <a:spcPts val="500"/>
+          <a:spcPts val="375"/>
         </a:spcBef>
         <a:buFont typeface="Arial" panose="020B0604020202020204" pitchFamily="34" charset="0"/>
         <a:buChar char="•"/>
-        <a:defRPr sz="1800" kern="1200">
+        <a:defRPr sz="1500" kern="1200">
+          <a:solidFill>
+            <a:schemeClr val="tx1"/>
+          </a:solidFill>
+          <a:latin typeface="+mn-lt"/>
+          <a:ea typeface="+mn-ea"/>
+          <a:cs typeface="+mn-cs"/>
+        </a:defRPr>
+      </a:lvl3pPr>
+      <a:lvl4pPr marL="1200150" indent="-171450" algn="l" defTabSz="685800" rtl="0" eaLnBrk="1" latinLnBrk="1" hangingPunct="1">
+        <a:lnSpc>
+          <a:spcPct val="90000"/>
+        </a:lnSpc>
+        <a:spcBef>
+          <a:spcPts val="375"/>
+        </a:spcBef>
+        <a:buFont typeface="Arial" panose="020B0604020202020204" pitchFamily="34" charset="0"/>
+        <a:buChar char="•"/>
+        <a:defRPr sz="1350" kern="1200">
+          <a:solidFill>
+            <a:schemeClr val="tx1"/>
+          </a:solidFill>
+          <a:latin typeface="+mn-lt"/>
+          <a:ea typeface="+mn-ea"/>
+          <a:cs typeface="+mn-cs"/>
+        </a:defRPr>
+      </a:lvl4pPr>
+      <a:lvl5pPr marL="1543050" indent="-171450" algn="l" defTabSz="685800" rtl="0" eaLnBrk="1" latinLnBrk="1" hangingPunct="1">
+        <a:lnSpc>
+          <a:spcPct val="90000"/>
+        </a:lnSpc>
+        <a:spcBef>
+          <a:spcPts val="375"/>
+        </a:spcBef>
+        <a:buFont typeface="Arial" panose="020B0604020202020204" pitchFamily="34" charset="0"/>
+        <a:buChar char="•"/>
+        <a:defRPr sz="1350" kern="1200">
           <a:solidFill>
             <a:schemeClr val="tx1"/>
           </a:solidFill>
@@ -3132,16 +2782,16 @@
           <a:cs typeface="+mn-cs"/>
         </a:defRPr>
       </a:lvl5pPr>
-      <a:lvl6pPr marL="2514600" indent="-228600" algn="l" defTabSz="914400" rtl="0" eaLnBrk="1" latinLnBrk="1" hangingPunct="1">
+      <a:lvl6pPr marL="1885950" indent="-171450" algn="l" defTabSz="685800" rtl="0" eaLnBrk="1" latinLnBrk="1" hangingPunct="1">
         <a:lnSpc>
           <a:spcPct val="90000"/>
         </a:lnSpc>
         <a:spcBef>
-          <a:spcPts val="500"/>
+          <a:spcPts val="375"/>
         </a:spcBef>
         <a:buFont typeface="Arial" panose="020B0604020202020204" pitchFamily="34" charset="0"/>
         <a:buChar char="•"/>
-        <a:defRPr sz="1800" kern="1200">
+        <a:defRPr sz="1350" kern="1200">
           <a:solidFill>
             <a:schemeClr val="tx1"/>
           </a:solidFill>
@@ -3150,16 +2800,16 @@
           <a:cs typeface="+mn-cs"/>
         </a:defRPr>
       </a:lvl6pPr>
-      <a:lvl7pPr marL="2971800" indent="-228600" algn="l" defTabSz="914400" rtl="0" eaLnBrk="1" latinLnBrk="1" hangingPunct="1">
+      <a:lvl7pPr marL="2228850" indent="-171450" algn="l" defTabSz="685800" rtl="0" eaLnBrk="1" latinLnBrk="1" hangingPunct="1">
         <a:lnSpc>
           <a:spcPct val="90000"/>
         </a:lnSpc>
         <a:spcBef>
-          <a:spcPts val="500"/>
+          <a:spcPts val="375"/>
         </a:spcBef>
         <a:buFont typeface="Arial" panose="020B0604020202020204" pitchFamily="34" charset="0"/>
         <a:buChar char="•"/>
-        <a:defRPr sz="1800" kern="1200">
+        <a:defRPr sz="1350" kern="1200">
           <a:solidFill>
             <a:schemeClr val="tx1"/>
           </a:solidFill>
@@ -3168,16 +2818,16 @@
           <a:cs typeface="+mn-cs"/>
         </a:defRPr>
       </a:lvl7pPr>
-      <a:lvl8pPr marL="3429000" indent="-228600" algn="l" defTabSz="914400" rtl="0" eaLnBrk="1" latinLnBrk="1" hangingPunct="1">
+      <a:lvl8pPr marL="2571750" indent="-171450" algn="l" defTabSz="685800" rtl="0" eaLnBrk="1" latinLnBrk="1" hangingPunct="1">
         <a:lnSpc>
           <a:spcPct val="90000"/>
         </a:lnSpc>
         <a:spcBef>
-          <a:spcPts val="500"/>
+          <a:spcPts val="375"/>
         </a:spcBef>
         <a:buFont typeface="Arial" panose="020B0604020202020204" pitchFamily="34" charset="0"/>
         <a:buChar char="•"/>
-        <a:defRPr sz="1800" kern="1200">
+        <a:defRPr sz="1350" kern="1200">
           <a:solidFill>
             <a:schemeClr val="tx1"/>
           </a:solidFill>
@@ -3186,16 +2836,16 @@
           <a:cs typeface="+mn-cs"/>
         </a:defRPr>
       </a:lvl8pPr>
-      <a:lvl9pPr marL="3886200" indent="-228600" algn="l" defTabSz="914400" rtl="0" eaLnBrk="1" latinLnBrk="1" hangingPunct="1">
+      <a:lvl9pPr marL="2914650" indent="-171450" algn="l" defTabSz="685800" rtl="0" eaLnBrk="1" latinLnBrk="1" hangingPunct="1">
         <a:lnSpc>
           <a:spcPct val="90000"/>
         </a:lnSpc>
         <a:spcBef>
-          <a:spcPts val="500"/>
+          <a:spcPts val="375"/>
         </a:spcBef>
         <a:buFont typeface="Arial" panose="020B0604020202020204" pitchFamily="34" charset="0"/>
         <a:buChar char="•"/>
-        <a:defRPr sz="1800" kern="1200">
+        <a:defRPr sz="1350" kern="1200">
           <a:solidFill>
             <a:schemeClr val="tx1"/>
           </a:solidFill>
@@ -3207,10 +2857,10 @@
     </p:bodyStyle>
     <p:otherStyle>
       <a:defPPr>
-        <a:defRPr lang="ko-KR"/>
+        <a:defRPr lang="en-US"/>
       </a:defPPr>
-      <a:lvl1pPr marL="0" algn="l" defTabSz="914400" rtl="0" eaLnBrk="1" latinLnBrk="1" hangingPunct="1">
-        <a:defRPr sz="1800" kern="1200">
+      <a:lvl1pPr marL="0" algn="l" defTabSz="685800" rtl="0" eaLnBrk="1" latinLnBrk="1" hangingPunct="1">
+        <a:defRPr sz="1350" kern="1200">
           <a:solidFill>
             <a:schemeClr val="tx1"/>
           </a:solidFill>
@@ -3219,8 +2869,8 @@
           <a:cs typeface="+mn-cs"/>
         </a:defRPr>
       </a:lvl1pPr>
-      <a:lvl2pPr marL="457200" algn="l" defTabSz="914400" rtl="0" eaLnBrk="1" latinLnBrk="1" hangingPunct="1">
-        <a:defRPr sz="1800" kern="1200">
+      <a:lvl2pPr marL="342900" algn="l" defTabSz="685800" rtl="0" eaLnBrk="1" latinLnBrk="1" hangingPunct="1">
+        <a:defRPr sz="1350" kern="1200">
           <a:solidFill>
             <a:schemeClr val="tx1"/>
           </a:solidFill>
@@ -3229,8 +2879,8 @@
           <a:cs typeface="+mn-cs"/>
         </a:defRPr>
       </a:lvl2pPr>
-      <a:lvl3pPr marL="914400" algn="l" defTabSz="914400" rtl="0" eaLnBrk="1" latinLnBrk="1" hangingPunct="1">
-        <a:defRPr sz="1800" kern="1200">
+      <a:lvl3pPr marL="685800" algn="l" defTabSz="685800" rtl="0" eaLnBrk="1" latinLnBrk="1" hangingPunct="1">
+        <a:defRPr sz="1350" kern="1200">
           <a:solidFill>
             <a:schemeClr val="tx1"/>
           </a:solidFill>
@@ -3239,8 +2889,8 @@
           <a:cs typeface="+mn-cs"/>
         </a:defRPr>
       </a:lvl3pPr>
-      <a:lvl4pPr marL="1371600" algn="l" defTabSz="914400" rtl="0" eaLnBrk="1" latinLnBrk="1" hangingPunct="1">
-        <a:defRPr sz="1800" kern="1200">
+      <a:lvl4pPr marL="1028700" algn="l" defTabSz="685800" rtl="0" eaLnBrk="1" latinLnBrk="1" hangingPunct="1">
+        <a:defRPr sz="1350" kern="1200">
           <a:solidFill>
             <a:schemeClr val="tx1"/>
           </a:solidFill>
@@ -3249,8 +2899,8 @@
           <a:cs typeface="+mn-cs"/>
         </a:defRPr>
       </a:lvl4pPr>
-      <a:lvl5pPr marL="1828800" algn="l" defTabSz="914400" rtl="0" eaLnBrk="1" latinLnBrk="1" hangingPunct="1">
-        <a:defRPr sz="1800" kern="1200">
+      <a:lvl5pPr marL="1371600" algn="l" defTabSz="685800" rtl="0" eaLnBrk="1" latinLnBrk="1" hangingPunct="1">
+        <a:defRPr sz="1350" kern="1200">
           <a:solidFill>
             <a:schemeClr val="tx1"/>
           </a:solidFill>
@@ -3259,8 +2909,8 @@
           <a:cs typeface="+mn-cs"/>
         </a:defRPr>
       </a:lvl5pPr>
-      <a:lvl6pPr marL="2286000" algn="l" defTabSz="914400" rtl="0" eaLnBrk="1" latinLnBrk="1" hangingPunct="1">
-        <a:defRPr sz="1800" kern="1200">
+      <a:lvl6pPr marL="1714500" algn="l" defTabSz="685800" rtl="0" eaLnBrk="1" latinLnBrk="1" hangingPunct="1">
+        <a:defRPr sz="1350" kern="1200">
           <a:solidFill>
             <a:schemeClr val="tx1"/>
           </a:solidFill>
@@ -3269,8 +2919,8 @@
           <a:cs typeface="+mn-cs"/>
         </a:defRPr>
       </a:lvl6pPr>
-      <a:lvl7pPr marL="2743200" algn="l" defTabSz="914400" rtl="0" eaLnBrk="1" latinLnBrk="1" hangingPunct="1">
-        <a:defRPr sz="1800" kern="1200">
+      <a:lvl7pPr marL="2057400" algn="l" defTabSz="685800" rtl="0" eaLnBrk="1" latinLnBrk="1" hangingPunct="1">
+        <a:defRPr sz="1350" kern="1200">
           <a:solidFill>
             <a:schemeClr val="tx1"/>
           </a:solidFill>
@@ -3279,8 +2929,8 @@
           <a:cs typeface="+mn-cs"/>
         </a:defRPr>
       </a:lvl7pPr>
-      <a:lvl8pPr marL="3200400" algn="l" defTabSz="914400" rtl="0" eaLnBrk="1" latinLnBrk="1" hangingPunct="1">
-        <a:defRPr sz="1800" kern="1200">
+      <a:lvl8pPr marL="2400300" algn="l" defTabSz="685800" rtl="0" eaLnBrk="1" latinLnBrk="1" hangingPunct="1">
+        <a:defRPr sz="1350" kern="1200">
           <a:solidFill>
             <a:schemeClr val="tx1"/>
           </a:solidFill>
@@ -3289,8 +2939,8 @@
           <a:cs typeface="+mn-cs"/>
         </a:defRPr>
       </a:lvl8pPr>
-      <a:lvl9pPr marL="3657600" algn="l" defTabSz="914400" rtl="0" eaLnBrk="1" latinLnBrk="1" hangingPunct="1">
-        <a:defRPr sz="1800" kern="1200">
+      <a:lvl9pPr marL="2743200" algn="l" defTabSz="685800" rtl="0" eaLnBrk="1" latinLnBrk="1" hangingPunct="1">
+        <a:defRPr sz="1350" kern="1200">
           <a:solidFill>
             <a:schemeClr val="tx1"/>
           </a:solidFill>
@@ -3346,8 +2996,8 @@
         </p:nvSpPr>
         <p:spPr>
           <a:xfrm>
-            <a:off x="0" y="-14445"/>
-            <a:ext cx="4714009" cy="1015663"/>
+            <a:off x="0" y="4159063"/>
+            <a:ext cx="2651630" cy="698717"/>
           </a:xfrm>
           <a:prstGeom prst="rect">
             <a:avLst/>
@@ -3366,41 +3016,41 @@
               <a:buNone/>
             </a:pPr>
             <a:r>
-              <a:rPr lang="ko-KR" altLang="en-US" sz="1000" dirty="0">
+              <a:rPr lang="ko-KR" altLang="en-US" sz="563" dirty="0">
                 <a:latin typeface="나눔스퀘어OTF" panose="020B0600000101010101" pitchFamily="34" charset="-127"/>
                 <a:ea typeface="나눔스퀘어OTF" panose="020B0600000101010101" pitchFamily="34" charset="-127"/>
               </a:rPr>
               <a:t>목적</a:t>
             </a:r>
             <a:r>
-              <a:rPr lang="en-US" altLang="ko-KR" sz="1000" dirty="0">
+              <a:rPr lang="en-US" altLang="ko-KR" sz="563" dirty="0">
                 <a:latin typeface="나눔스퀘어OTF" panose="020B0600000101010101" pitchFamily="34" charset="-127"/>
                 <a:ea typeface="나눔스퀘어OTF" panose="020B0600000101010101" pitchFamily="34" charset="-127"/>
               </a:rPr>
               <a:t>: </a:t>
             </a:r>
             <a:r>
-              <a:rPr lang="ko-KR" altLang="en-US" sz="1000" dirty="0">
+              <a:rPr lang="ko-KR" altLang="en-US" sz="563" dirty="0">
                 <a:latin typeface="나눔스퀘어OTF" panose="020B0600000101010101" pitchFamily="34" charset="-127"/>
                 <a:ea typeface="나눔스퀘어OTF" panose="020B0600000101010101" pitchFamily="34" charset="-127"/>
               </a:rPr>
               <a:t>마케팅 부서에서 </a:t>
             </a:r>
             <a:r>
-              <a:rPr lang="en-US" altLang="ko-KR" sz="1000" dirty="0">
+              <a:rPr lang="en-US" altLang="ko-KR" sz="563" dirty="0">
                 <a:latin typeface="나눔스퀘어OTF" panose="020B0600000101010101" pitchFamily="34" charset="-127"/>
                 <a:ea typeface="나눔스퀘어OTF" panose="020B0600000101010101" pitchFamily="34" charset="-127"/>
               </a:rPr>
               <a:t>AI</a:t>
             </a:r>
             <a:r>
-              <a:rPr lang="ko-KR" altLang="en-US" sz="1000" dirty="0">
+              <a:rPr lang="ko-KR" altLang="en-US" sz="563" dirty="0">
                 <a:latin typeface="나눔스퀘어OTF" panose="020B0600000101010101" pitchFamily="34" charset="-127"/>
                 <a:ea typeface="나눔스퀘어OTF" panose="020B0600000101010101" pitchFamily="34" charset="-127"/>
               </a:rPr>
               <a:t>를 활용하여 효율적으로 </a:t>
             </a:r>
-            <a:endParaRPr lang="en-US" altLang="ko-KR" sz="1000" dirty="0">
+            <a:endParaRPr lang="en-US" altLang="ko-KR" sz="563" dirty="0">
               <a:latin typeface="나눔스퀘어OTF" panose="020B0600000101010101" pitchFamily="34" charset="-127"/>
               <a:ea typeface="나눔스퀘어OTF" panose="020B0600000101010101" pitchFamily="34" charset="-127"/>
             </a:endParaRPr>
@@ -3410,49 +3060,49 @@
               <a:buNone/>
             </a:pPr>
             <a:r>
-              <a:rPr lang="ko-KR" altLang="en-US" sz="1000" dirty="0">
+              <a:rPr lang="ko-KR" altLang="en-US" sz="563" dirty="0">
                 <a:latin typeface="나눔스퀘어OTF" panose="020B0600000101010101" pitchFamily="34" charset="-127"/>
                 <a:ea typeface="나눔스퀘어OTF" panose="020B0600000101010101" pitchFamily="34" charset="-127"/>
               </a:rPr>
               <a:t>광고 문구</a:t>
             </a:r>
             <a:r>
-              <a:rPr lang="en-US" altLang="ko-KR" sz="1000" dirty="0">
+              <a:rPr lang="en-US" altLang="ko-KR" sz="563" dirty="0">
                 <a:latin typeface="나눔스퀘어OTF" panose="020B0600000101010101" pitchFamily="34" charset="-127"/>
                 <a:ea typeface="나눔스퀘어OTF" panose="020B0600000101010101" pitchFamily="34" charset="-127"/>
               </a:rPr>
               <a:t>, </a:t>
             </a:r>
             <a:r>
-              <a:rPr lang="ko-KR" altLang="en-US" sz="1000" dirty="0">
+              <a:rPr lang="ko-KR" altLang="en-US" sz="563" dirty="0">
                 <a:latin typeface="나눔스퀘어OTF" panose="020B0600000101010101" pitchFamily="34" charset="-127"/>
                 <a:ea typeface="나눔스퀘어OTF" panose="020B0600000101010101" pitchFamily="34" charset="-127"/>
               </a:rPr>
               <a:t>상세페이지</a:t>
             </a:r>
             <a:r>
-              <a:rPr lang="en-US" altLang="ko-KR" sz="1000" dirty="0">
+              <a:rPr lang="en-US" altLang="ko-KR" sz="563" dirty="0">
                 <a:latin typeface="나눔스퀘어OTF" panose="020B0600000101010101" pitchFamily="34" charset="-127"/>
                 <a:ea typeface="나눔스퀘어OTF" panose="020B0600000101010101" pitchFamily="34" charset="-127"/>
               </a:rPr>
               <a:t>, SNS </a:t>
             </a:r>
             <a:r>
-              <a:rPr lang="ko-KR" altLang="en-US" sz="1000" dirty="0">
+              <a:rPr lang="ko-KR" altLang="en-US" sz="563" dirty="0">
                 <a:latin typeface="나눔스퀘어OTF" panose="020B0600000101010101" pitchFamily="34" charset="-127"/>
                 <a:ea typeface="나눔스퀘어OTF" panose="020B0600000101010101" pitchFamily="34" charset="-127"/>
               </a:rPr>
               <a:t>콘텐츠를 제작할 수 있도록 지원하는 </a:t>
             </a:r>
             <a:r>
-              <a:rPr lang="en-US" altLang="ko-KR" sz="1000" dirty="0">
+              <a:rPr lang="en-US" altLang="ko-KR" sz="563" dirty="0">
                 <a:latin typeface="나눔스퀘어OTF" panose="020B0600000101010101" pitchFamily="34" charset="-127"/>
                 <a:ea typeface="나눔스퀘어OTF" panose="020B0600000101010101" pitchFamily="34" charset="-127"/>
               </a:rPr>
               <a:t>GPT </a:t>
             </a:r>
             <a:r>
-              <a:rPr lang="ko-KR" altLang="en-US" sz="1000" dirty="0">
+              <a:rPr lang="ko-KR" altLang="en-US" sz="563" dirty="0">
                 <a:latin typeface="나눔스퀘어OTF" panose="020B0600000101010101" pitchFamily="34" charset="-127"/>
                 <a:ea typeface="나눔스퀘어OTF" panose="020B0600000101010101" pitchFamily="34" charset="-127"/>
               </a:rPr>
@@ -3464,49 +3114,49 @@
               <a:buNone/>
             </a:pPr>
             <a:r>
-              <a:rPr lang="ko-KR" altLang="en-US" sz="1000" dirty="0">
+              <a:rPr lang="ko-KR" altLang="en-US" sz="563" dirty="0">
                 <a:latin typeface="나눔스퀘어OTF" panose="020B0600000101010101" pitchFamily="34" charset="-127"/>
                 <a:ea typeface="나눔스퀘어OTF" panose="020B0600000101010101" pitchFamily="34" charset="-127"/>
               </a:rPr>
               <a:t>대상부서</a:t>
             </a:r>
             <a:r>
-              <a:rPr lang="en-US" altLang="ko-KR" sz="1000" dirty="0">
+              <a:rPr lang="en-US" altLang="ko-KR" sz="563" dirty="0">
                 <a:latin typeface="나눔스퀘어OTF" panose="020B0600000101010101" pitchFamily="34" charset="-127"/>
                 <a:ea typeface="나눔스퀘어OTF" panose="020B0600000101010101" pitchFamily="34" charset="-127"/>
               </a:rPr>
               <a:t>: </a:t>
             </a:r>
             <a:r>
-              <a:rPr lang="ko-KR" altLang="en-US" sz="1000" dirty="0">
+              <a:rPr lang="ko-KR" altLang="en-US" sz="563" dirty="0">
                 <a:latin typeface="나눔스퀘어OTF" panose="020B0600000101010101" pitchFamily="34" charset="-127"/>
                 <a:ea typeface="나눔스퀘어OTF" panose="020B0600000101010101" pitchFamily="34" charset="-127"/>
               </a:rPr>
               <a:t>마케팅팀 </a:t>
             </a:r>
             <a:r>
-              <a:rPr lang="en-US" altLang="ko-KR" sz="1000" dirty="0">
+              <a:rPr lang="en-US" altLang="ko-KR" sz="563" dirty="0">
                 <a:latin typeface="나눔스퀘어OTF" panose="020B0600000101010101" pitchFamily="34" charset="-127"/>
                 <a:ea typeface="나눔스퀘어OTF" panose="020B0600000101010101" pitchFamily="34" charset="-127"/>
               </a:rPr>
               <a:t>/ </a:t>
             </a:r>
             <a:r>
-              <a:rPr lang="ko-KR" altLang="en-US" sz="1000" dirty="0">
+              <a:rPr lang="ko-KR" altLang="en-US" sz="563" dirty="0">
                 <a:latin typeface="나눔스퀘어OTF" panose="020B0600000101010101" pitchFamily="34" charset="-127"/>
                 <a:ea typeface="나눔스퀘어OTF" panose="020B0600000101010101" pitchFamily="34" charset="-127"/>
               </a:rPr>
               <a:t>브랜드팀 </a:t>
             </a:r>
             <a:r>
-              <a:rPr lang="en-US" altLang="ko-KR" sz="1000" dirty="0">
+              <a:rPr lang="en-US" altLang="ko-KR" sz="563" dirty="0">
                 <a:latin typeface="나눔스퀘어OTF" panose="020B0600000101010101" pitchFamily="34" charset="-127"/>
                 <a:ea typeface="나눔스퀘어OTF" panose="020B0600000101010101" pitchFamily="34" charset="-127"/>
               </a:rPr>
               <a:t>/ </a:t>
             </a:r>
             <a:r>
-              <a:rPr lang="ko-KR" altLang="en-US" sz="1000" dirty="0">
+              <a:rPr lang="ko-KR" altLang="en-US" sz="563" dirty="0">
                 <a:latin typeface="나눔스퀘어OTF" panose="020B0600000101010101" pitchFamily="34" charset="-127"/>
                 <a:ea typeface="나눔스퀘어OTF" panose="020B0600000101010101" pitchFamily="34" charset="-127"/>
               </a:rPr>
@@ -3518,14 +3168,14 @@
               <a:buNone/>
             </a:pPr>
             <a:r>
-              <a:rPr lang="ko-KR" altLang="en-US" sz="1000" dirty="0">
+              <a:rPr lang="ko-KR" altLang="en-US" sz="563" dirty="0">
                 <a:latin typeface="나눔스퀘어OTF" panose="020B0600000101010101" pitchFamily="34" charset="-127"/>
                 <a:ea typeface="나눔스퀘어OTF" panose="020B0600000101010101" pitchFamily="34" charset="-127"/>
               </a:rPr>
               <a:t>도입효과</a:t>
             </a:r>
             <a:r>
-              <a:rPr lang="en-US" altLang="ko-KR" sz="1000" dirty="0">
+              <a:rPr lang="en-US" altLang="ko-KR" sz="563" dirty="0">
                 <a:latin typeface="나눔스퀘어OTF" panose="020B0600000101010101" pitchFamily="34" charset="-127"/>
                 <a:ea typeface="나눔스퀘어OTF" panose="020B0600000101010101" pitchFamily="34" charset="-127"/>
               </a:rPr>
@@ -3537,21 +3187,21 @@
               <a:buNone/>
             </a:pPr>
             <a:r>
-              <a:rPr lang="ko-KR" altLang="en-US" sz="1000" dirty="0">
+              <a:rPr lang="ko-KR" altLang="en-US" sz="563" dirty="0">
                 <a:latin typeface="나눔스퀘어OTF" panose="020B0600000101010101" pitchFamily="34" charset="-127"/>
                 <a:ea typeface="나눔스퀘어OTF" panose="020B0600000101010101" pitchFamily="34" charset="-127"/>
               </a:rPr>
               <a:t>콘텐츠 제작 속도 최대 </a:t>
             </a:r>
             <a:r>
-              <a:rPr lang="en-US" altLang="ko-KR" sz="1000" dirty="0">
+              <a:rPr lang="en-US" altLang="ko-KR" sz="563" dirty="0">
                 <a:latin typeface="나눔스퀘어OTF" panose="020B0600000101010101" pitchFamily="34" charset="-127"/>
                 <a:ea typeface="나눔스퀘어OTF" panose="020B0600000101010101" pitchFamily="34" charset="-127"/>
               </a:rPr>
               <a:t>10</a:t>
             </a:r>
             <a:r>
-              <a:rPr lang="ko-KR" altLang="en-US" sz="1000" dirty="0">
+              <a:rPr lang="ko-KR" altLang="en-US" sz="563" dirty="0">
                 <a:latin typeface="나눔스퀘어OTF" panose="020B0600000101010101" pitchFamily="34" charset="-127"/>
                 <a:ea typeface="나눔스퀘어OTF" panose="020B0600000101010101" pitchFamily="34" charset="-127"/>
               </a:rPr>
@@ -3560,35 +3210,35 @@
           </a:p>
           <a:p>
             <a:r>
-              <a:rPr lang="ko-KR" altLang="en-US" sz="1000" dirty="0">
+              <a:rPr lang="ko-KR" altLang="en-US" sz="563" dirty="0">
                 <a:latin typeface="나눔스퀘어OTF" panose="020B0600000101010101" pitchFamily="34" charset="-127"/>
                 <a:ea typeface="나눔스퀘어OTF" panose="020B0600000101010101" pitchFamily="34" charset="-127"/>
               </a:rPr>
               <a:t>타겟 맞춤형 문구 생성 → </a:t>
             </a:r>
             <a:r>
-              <a:rPr lang="ko-KR" altLang="en-US" sz="1000" dirty="0" err="1">
+              <a:rPr lang="ko-KR" altLang="en-US" sz="563" dirty="0" err="1">
                 <a:latin typeface="나눔스퀘어OTF" panose="020B0600000101010101" pitchFamily="34" charset="-127"/>
                 <a:ea typeface="나눔스퀘어OTF" panose="020B0600000101010101" pitchFamily="34" charset="-127"/>
               </a:rPr>
               <a:t>클릭률</a:t>
             </a:r>
             <a:r>
-              <a:rPr lang="ko-KR" altLang="en-US" sz="1000" dirty="0">
+              <a:rPr lang="ko-KR" altLang="en-US" sz="563" dirty="0">
                 <a:latin typeface="나눔스퀘어OTF" panose="020B0600000101010101" pitchFamily="34" charset="-127"/>
                 <a:ea typeface="나눔스퀘어OTF" panose="020B0600000101010101" pitchFamily="34" charset="-127"/>
               </a:rPr>
               <a:t> 및 </a:t>
             </a:r>
             <a:r>
-              <a:rPr lang="ko-KR" altLang="en-US" sz="1000" dirty="0" err="1">
+              <a:rPr lang="ko-KR" altLang="en-US" sz="563" dirty="0" err="1">
                 <a:latin typeface="나눔스퀘어OTF" panose="020B0600000101010101" pitchFamily="34" charset="-127"/>
                 <a:ea typeface="나눔스퀘어OTF" panose="020B0600000101010101" pitchFamily="34" charset="-127"/>
               </a:rPr>
               <a:t>전환률</a:t>
             </a:r>
             <a:r>
-              <a:rPr lang="ko-KR" altLang="en-US" sz="1000" dirty="0">
+              <a:rPr lang="ko-KR" altLang="en-US" sz="563" dirty="0">
                 <a:latin typeface="나눔스퀘어OTF" panose="020B0600000101010101" pitchFamily="34" charset="-127"/>
                 <a:ea typeface="나눔스퀘어OTF" panose="020B0600000101010101" pitchFamily="34" charset="-127"/>
               </a:rPr>
@@ -3611,8 +3261,8 @@
         </p:nvSpPr>
         <p:spPr>
           <a:xfrm>
-            <a:off x="0" y="1397066"/>
-            <a:ext cx="4048991" cy="2246769"/>
+            <a:off x="1" y="4953038"/>
+            <a:ext cx="2277557" cy="1305101"/>
           </a:xfrm>
           <a:prstGeom prst="rect">
             <a:avLst/>
@@ -3631,7 +3281,7 @@
               <a:buNone/>
             </a:pPr>
             <a:r>
-              <a:rPr lang="ko-KR" altLang="en-US" sz="1000" dirty="0">
+              <a:rPr lang="ko-KR" altLang="en-US" sz="563" dirty="0">
                 <a:latin typeface="나눔스퀘어OTF" panose="020B0600000101010101" pitchFamily="34" charset="-127"/>
                 <a:ea typeface="나눔스퀘어OTF" panose="020B0600000101010101" pitchFamily="34" charset="-127"/>
               </a:rPr>
@@ -3643,21 +3293,21 @@
               <a:buNone/>
             </a:pPr>
             <a:r>
-              <a:rPr lang="ko-KR" altLang="en-US" sz="1000" dirty="0">
+              <a:rPr lang="ko-KR" altLang="en-US" sz="563" dirty="0">
                 <a:latin typeface="나눔스퀘어OTF" panose="020B0600000101010101" pitchFamily="34" charset="-127"/>
                 <a:ea typeface="나눔스퀘어OTF" panose="020B0600000101010101" pitchFamily="34" charset="-127"/>
               </a:rPr>
               <a:t>✅ </a:t>
             </a:r>
             <a:r>
-              <a:rPr lang="en-US" altLang="ko-KR" sz="1000" dirty="0">
+              <a:rPr lang="en-US" altLang="ko-KR" sz="563" dirty="0">
                 <a:latin typeface="나눔스퀘어OTF" panose="020B0600000101010101" pitchFamily="34" charset="-127"/>
                 <a:ea typeface="나눔스퀘어OTF" panose="020B0600000101010101" pitchFamily="34" charset="-127"/>
               </a:rPr>
               <a:t>GPT </a:t>
             </a:r>
             <a:r>
-              <a:rPr lang="ko-KR" altLang="en-US" sz="1000" dirty="0">
+              <a:rPr lang="ko-KR" altLang="en-US" sz="563" dirty="0">
                 <a:latin typeface="나눔스퀘어OTF" panose="020B0600000101010101" pitchFamily="34" charset="-127"/>
                 <a:ea typeface="나눔스퀘어OTF" panose="020B0600000101010101" pitchFamily="34" charset="-127"/>
               </a:rPr>
@@ -3669,14 +3319,14 @@
               <a:buNone/>
             </a:pPr>
             <a:r>
-              <a:rPr lang="ko-KR" altLang="en-US" sz="1000" dirty="0" err="1">
+              <a:rPr lang="ko-KR" altLang="en-US" sz="563" dirty="0" err="1">
                 <a:latin typeface="나눔스퀘어OTF" panose="020B0600000101010101" pitchFamily="34" charset="-127"/>
                 <a:ea typeface="나눔스퀘어OTF" panose="020B0600000101010101" pitchFamily="34" charset="-127"/>
               </a:rPr>
               <a:t>드리미</a:t>
             </a:r>
             <a:r>
-              <a:rPr lang="ko-KR" altLang="en-US" sz="1000" dirty="0">
+              <a:rPr lang="ko-KR" altLang="en-US" sz="563" dirty="0">
                 <a:latin typeface="나눔스퀘어OTF" panose="020B0600000101010101" pitchFamily="34" charset="-127"/>
                 <a:ea typeface="나눔스퀘어OTF" panose="020B0600000101010101" pitchFamily="34" charset="-127"/>
               </a:rPr>
@@ -3688,7 +3338,7 @@
               <a:buNone/>
             </a:pPr>
             <a:r>
-              <a:rPr lang="ko-KR" altLang="en-US" sz="1000" dirty="0">
+              <a:rPr lang="ko-KR" altLang="en-US" sz="563" dirty="0">
                 <a:latin typeface="나눔스퀘어OTF" panose="020B0600000101010101" pitchFamily="34" charset="-127"/>
                 <a:ea typeface="나눔스퀘어OTF" panose="020B0600000101010101" pitchFamily="34" charset="-127"/>
               </a:rPr>
@@ -3700,28 +3350,28 @@
               <a:buNone/>
             </a:pPr>
             <a:r>
-              <a:rPr lang="ko-KR" altLang="en-US" sz="1000" dirty="0">
+              <a:rPr lang="ko-KR" altLang="en-US" sz="563" dirty="0">
                 <a:latin typeface="나눔스퀘어OTF" panose="020B0600000101010101" pitchFamily="34" charset="-127"/>
                 <a:ea typeface="나눔스퀘어OTF" panose="020B0600000101010101" pitchFamily="34" charset="-127"/>
               </a:rPr>
               <a:t>로봇청소기의 마케팅 문구를 제작해주는 </a:t>
             </a:r>
             <a:r>
-              <a:rPr lang="en-US" altLang="ko-KR" sz="1000" dirty="0">
+              <a:rPr lang="en-US" altLang="ko-KR" sz="563" dirty="0">
                 <a:latin typeface="나눔스퀘어OTF" panose="020B0600000101010101" pitchFamily="34" charset="-127"/>
                 <a:ea typeface="나눔스퀘어OTF" panose="020B0600000101010101" pitchFamily="34" charset="-127"/>
               </a:rPr>
               <a:t>AI </a:t>
             </a:r>
             <a:r>
-              <a:rPr lang="ko-KR" altLang="en-US" sz="1000" dirty="0">
+              <a:rPr lang="ko-KR" altLang="en-US" sz="563" dirty="0">
                 <a:latin typeface="나눔스퀘어OTF" panose="020B0600000101010101" pitchFamily="34" charset="-127"/>
                 <a:ea typeface="나눔스퀘어OTF" panose="020B0600000101010101" pitchFamily="34" charset="-127"/>
               </a:rPr>
               <a:t>카피라이터입니다</a:t>
             </a:r>
             <a:r>
-              <a:rPr lang="en-US" altLang="ko-KR" sz="1000" dirty="0">
+              <a:rPr lang="en-US" altLang="ko-KR" sz="563" dirty="0">
                 <a:latin typeface="나눔스퀘어OTF" panose="020B0600000101010101" pitchFamily="34" charset="-127"/>
                 <a:ea typeface="나눔스퀘어OTF" panose="020B0600000101010101" pitchFamily="34" charset="-127"/>
               </a:rPr>
@@ -3733,49 +3383,49 @@
               <a:buNone/>
             </a:pPr>
             <a:r>
-              <a:rPr lang="ko-KR" altLang="en-US" sz="1000" dirty="0">
+              <a:rPr lang="ko-KR" altLang="en-US" sz="563" dirty="0">
                 <a:latin typeface="나눔스퀘어OTF" panose="020B0600000101010101" pitchFamily="34" charset="-127"/>
                 <a:ea typeface="나눔스퀘어OTF" panose="020B0600000101010101" pitchFamily="34" charset="-127"/>
               </a:rPr>
               <a:t>타겟</a:t>
             </a:r>
             <a:r>
-              <a:rPr lang="en-US" altLang="ko-KR" sz="1000" dirty="0">
+              <a:rPr lang="en-US" altLang="ko-KR" sz="563" dirty="0">
                 <a:latin typeface="나눔스퀘어OTF" panose="020B0600000101010101" pitchFamily="34" charset="-127"/>
                 <a:ea typeface="나눔스퀘어OTF" panose="020B0600000101010101" pitchFamily="34" charset="-127"/>
               </a:rPr>
               <a:t>, </a:t>
             </a:r>
             <a:r>
-              <a:rPr lang="ko-KR" altLang="en-US" sz="1000" dirty="0">
+              <a:rPr lang="ko-KR" altLang="en-US" sz="563" dirty="0">
                 <a:latin typeface="나눔스퀘어OTF" panose="020B0600000101010101" pitchFamily="34" charset="-127"/>
                 <a:ea typeface="나눔스퀘어OTF" panose="020B0600000101010101" pitchFamily="34" charset="-127"/>
               </a:rPr>
               <a:t>목적</a:t>
             </a:r>
             <a:r>
-              <a:rPr lang="en-US" altLang="ko-KR" sz="1000" dirty="0">
+              <a:rPr lang="en-US" altLang="ko-KR" sz="563" dirty="0">
                 <a:latin typeface="나눔스퀘어OTF" panose="020B0600000101010101" pitchFamily="34" charset="-127"/>
                 <a:ea typeface="나눔스퀘어OTF" panose="020B0600000101010101" pitchFamily="34" charset="-127"/>
               </a:rPr>
               <a:t>, </a:t>
             </a:r>
             <a:r>
-              <a:rPr lang="ko-KR" altLang="en-US" sz="1000" dirty="0">
+              <a:rPr lang="ko-KR" altLang="en-US" sz="563" dirty="0">
                 <a:latin typeface="나눔스퀘어OTF" panose="020B0600000101010101" pitchFamily="34" charset="-127"/>
                 <a:ea typeface="나눔스퀘어OTF" panose="020B0600000101010101" pitchFamily="34" charset="-127"/>
               </a:rPr>
               <a:t>어조에 맞춘 콘텐츠를 자동 생성하여 마케팅 업무를 </a:t>
             </a:r>
             <a:r>
-              <a:rPr lang="ko-KR" altLang="en-US" sz="1000" dirty="0" err="1">
+              <a:rPr lang="ko-KR" altLang="en-US" sz="563" dirty="0" err="1">
                 <a:latin typeface="나눔스퀘어OTF" panose="020B0600000101010101" pitchFamily="34" charset="-127"/>
                 <a:ea typeface="나눔스퀘어OTF" panose="020B0600000101010101" pitchFamily="34" charset="-127"/>
               </a:rPr>
               <a:t>돕습니다</a:t>
             </a:r>
             <a:r>
-              <a:rPr lang="en-US" altLang="ko-KR" sz="1000" dirty="0">
+              <a:rPr lang="en-US" altLang="ko-KR" sz="563" dirty="0">
                 <a:latin typeface="나눔스퀘어OTF" panose="020B0600000101010101" pitchFamily="34" charset="-127"/>
                 <a:ea typeface="나눔스퀘어OTF" panose="020B0600000101010101" pitchFamily="34" charset="-127"/>
               </a:rPr>
@@ -3787,14 +3437,14 @@
               <a:buNone/>
             </a:pPr>
             <a:r>
-              <a:rPr lang="en-US" altLang="ko-KR" sz="1000" dirty="0">
+              <a:rPr lang="en-US" altLang="ko-KR" sz="563" dirty="0">
                 <a:latin typeface="나눔스퀘어OTF" panose="020B0600000101010101" pitchFamily="34" charset="-127"/>
                 <a:ea typeface="나눔스퀘어OTF" panose="020B0600000101010101" pitchFamily="34" charset="-127"/>
               </a:rPr>
               <a:t>✅ </a:t>
             </a:r>
             <a:r>
-              <a:rPr lang="ko-KR" altLang="en-US" sz="1000" dirty="0">
+              <a:rPr lang="ko-KR" altLang="en-US" sz="563" dirty="0">
                 <a:latin typeface="나눔스퀘어OTF" panose="020B0600000101010101" pitchFamily="34" charset="-127"/>
                 <a:ea typeface="나눔스퀘어OTF" panose="020B0600000101010101" pitchFamily="34" charset="-127"/>
               </a:rPr>
@@ -3806,7 +3456,7 @@
               <a:buNone/>
             </a:pPr>
             <a:r>
-              <a:rPr lang="ko-KR" altLang="en-US" sz="1000" dirty="0">
+              <a:rPr lang="ko-KR" altLang="en-US" sz="563" dirty="0">
                 <a:latin typeface="나눔스퀘어OTF" panose="020B0600000101010101" pitchFamily="34" charset="-127"/>
                 <a:ea typeface="나눔스퀘어OTF" panose="020B0600000101010101" pitchFamily="34" charset="-127"/>
               </a:rPr>
@@ -3818,7 +3468,7 @@
               <a:buNone/>
             </a:pPr>
             <a:r>
-              <a:rPr lang="ko-KR" altLang="en-US" sz="1000" dirty="0">
+              <a:rPr lang="ko-KR" altLang="en-US" sz="563" dirty="0">
                 <a:latin typeface="나눔스퀘어OTF" panose="020B0600000101010101" pitchFamily="34" charset="-127"/>
                 <a:ea typeface="나눔스퀘어OTF" panose="020B0600000101010101" pitchFamily="34" charset="-127"/>
               </a:rPr>
@@ -3830,49 +3480,49 @@
               <a:buNone/>
             </a:pPr>
             <a:r>
-              <a:rPr lang="ko-KR" altLang="en-US" sz="1000" dirty="0">
+              <a:rPr lang="ko-KR" altLang="en-US" sz="563" dirty="0">
                 <a:latin typeface="나눔스퀘어OTF" panose="020B0600000101010101" pitchFamily="34" charset="-127"/>
                 <a:ea typeface="나눔스퀘어OTF" panose="020B0600000101010101" pitchFamily="34" charset="-127"/>
               </a:rPr>
               <a:t>목적 분류 인스타그램</a:t>
             </a:r>
             <a:r>
-              <a:rPr lang="en-US" altLang="ko-KR" sz="1000" dirty="0">
+              <a:rPr lang="en-US" altLang="ko-KR" sz="563" dirty="0">
                 <a:latin typeface="나눔스퀘어OTF" panose="020B0600000101010101" pitchFamily="34" charset="-127"/>
                 <a:ea typeface="나눔스퀘어OTF" panose="020B0600000101010101" pitchFamily="34" charset="-127"/>
               </a:rPr>
               <a:t>, </a:t>
             </a:r>
             <a:r>
-              <a:rPr lang="ko-KR" altLang="en-US" sz="1000" dirty="0">
+              <a:rPr lang="ko-KR" altLang="en-US" sz="563" dirty="0">
                 <a:latin typeface="나눔스퀘어OTF" panose="020B0600000101010101" pitchFamily="34" charset="-127"/>
                 <a:ea typeface="나눔스퀘어OTF" panose="020B0600000101010101" pitchFamily="34" charset="-127"/>
               </a:rPr>
               <a:t>상세페이지</a:t>
             </a:r>
             <a:r>
-              <a:rPr lang="en-US" altLang="ko-KR" sz="1000" dirty="0">
+              <a:rPr lang="en-US" altLang="ko-KR" sz="563" dirty="0">
                 <a:latin typeface="나눔스퀘어OTF" panose="020B0600000101010101" pitchFamily="34" charset="-127"/>
                 <a:ea typeface="나눔스퀘어OTF" panose="020B0600000101010101" pitchFamily="34" charset="-127"/>
               </a:rPr>
               <a:t>, </a:t>
             </a:r>
             <a:r>
-              <a:rPr lang="ko-KR" altLang="en-US" sz="1000" dirty="0">
+              <a:rPr lang="ko-KR" altLang="en-US" sz="563" dirty="0">
                 <a:latin typeface="나눔스퀘어OTF" panose="020B0600000101010101" pitchFamily="34" charset="-127"/>
                 <a:ea typeface="나눔스퀘어OTF" panose="020B0600000101010101" pitchFamily="34" charset="-127"/>
               </a:rPr>
               <a:t>광고</a:t>
             </a:r>
             <a:r>
-              <a:rPr lang="en-US" altLang="ko-KR" sz="1000" dirty="0">
+              <a:rPr lang="en-US" altLang="ko-KR" sz="563" dirty="0">
                 <a:latin typeface="나눔스퀘어OTF" panose="020B0600000101010101" pitchFamily="34" charset="-127"/>
                 <a:ea typeface="나눔스퀘어OTF" panose="020B0600000101010101" pitchFamily="34" charset="-127"/>
               </a:rPr>
               <a:t>, </a:t>
             </a:r>
             <a:r>
-              <a:rPr lang="ko-KR" altLang="en-US" sz="1000" dirty="0">
+              <a:rPr lang="ko-KR" altLang="en-US" sz="563" dirty="0">
                 <a:latin typeface="나눔스퀘어OTF" panose="020B0600000101010101" pitchFamily="34" charset="-127"/>
                 <a:ea typeface="나눔스퀘어OTF" panose="020B0600000101010101" pitchFamily="34" charset="-127"/>
               </a:rPr>
@@ -3884,63 +3534,63 @@
               <a:buNone/>
             </a:pPr>
             <a:r>
-              <a:rPr lang="ko-KR" altLang="en-US" sz="1000" dirty="0">
+              <a:rPr lang="ko-KR" altLang="en-US" sz="563" dirty="0">
                 <a:latin typeface="나눔스퀘어OTF" panose="020B0600000101010101" pitchFamily="34" charset="-127"/>
                 <a:ea typeface="나눔스퀘어OTF" panose="020B0600000101010101" pitchFamily="34" charset="-127"/>
               </a:rPr>
               <a:t>어조 스타일 선택 감성 </a:t>
             </a:r>
             <a:r>
-              <a:rPr lang="en-US" altLang="ko-KR" sz="1000" dirty="0">
+              <a:rPr lang="en-US" altLang="ko-KR" sz="563" dirty="0">
                 <a:latin typeface="나눔스퀘어OTF" panose="020B0600000101010101" pitchFamily="34" charset="-127"/>
                 <a:ea typeface="나눔스퀘어OTF" panose="020B0600000101010101" pitchFamily="34" charset="-127"/>
               </a:rPr>
               <a:t>/ </a:t>
             </a:r>
             <a:r>
-              <a:rPr lang="ko-KR" altLang="en-US" sz="1000" dirty="0">
+              <a:rPr lang="ko-KR" altLang="en-US" sz="563" dirty="0">
                 <a:latin typeface="나눔스퀘어OTF" panose="020B0600000101010101" pitchFamily="34" charset="-127"/>
                 <a:ea typeface="나눔스퀘어OTF" panose="020B0600000101010101" pitchFamily="34" charset="-127"/>
               </a:rPr>
               <a:t>유머 </a:t>
             </a:r>
             <a:r>
-              <a:rPr lang="en-US" altLang="ko-KR" sz="1000" dirty="0">
+              <a:rPr lang="en-US" altLang="ko-KR" sz="563" dirty="0">
                 <a:latin typeface="나눔스퀘어OTF" panose="020B0600000101010101" pitchFamily="34" charset="-127"/>
                 <a:ea typeface="나눔스퀘어OTF" panose="020B0600000101010101" pitchFamily="34" charset="-127"/>
               </a:rPr>
               <a:t>/ </a:t>
             </a:r>
             <a:r>
-              <a:rPr lang="ko-KR" altLang="en-US" sz="1000" dirty="0">
+              <a:rPr lang="ko-KR" altLang="en-US" sz="563" dirty="0">
                 <a:latin typeface="나눔스퀘어OTF" panose="020B0600000101010101" pitchFamily="34" charset="-127"/>
                 <a:ea typeface="나눔스퀘어OTF" panose="020B0600000101010101" pitchFamily="34" charset="-127"/>
               </a:rPr>
               <a:t>고급 </a:t>
             </a:r>
             <a:r>
-              <a:rPr lang="en-US" altLang="ko-KR" sz="1000" dirty="0">
+              <a:rPr lang="en-US" altLang="ko-KR" sz="563" dirty="0">
                 <a:latin typeface="나눔스퀘어OTF" panose="020B0600000101010101" pitchFamily="34" charset="-127"/>
                 <a:ea typeface="나눔스퀘어OTF" panose="020B0600000101010101" pitchFamily="34" charset="-127"/>
               </a:rPr>
               <a:t>/ </a:t>
             </a:r>
             <a:r>
-              <a:rPr lang="ko-KR" altLang="en-US" sz="1000" dirty="0">
+              <a:rPr lang="ko-KR" altLang="en-US" sz="563" dirty="0">
                 <a:latin typeface="나눔스퀘어OTF" panose="020B0600000101010101" pitchFamily="34" charset="-127"/>
                 <a:ea typeface="나눔스퀘어OTF" panose="020B0600000101010101" pitchFamily="34" charset="-127"/>
               </a:rPr>
               <a:t>전문 </a:t>
             </a:r>
             <a:r>
-              <a:rPr lang="en-US" altLang="ko-KR" sz="1000" dirty="0">
+              <a:rPr lang="en-US" altLang="ko-KR" sz="563" dirty="0">
                 <a:latin typeface="나눔스퀘어OTF" panose="020B0600000101010101" pitchFamily="34" charset="-127"/>
                 <a:ea typeface="나눔스퀘어OTF" panose="020B0600000101010101" pitchFamily="34" charset="-127"/>
               </a:rPr>
               <a:t>/ </a:t>
             </a:r>
             <a:r>
-              <a:rPr lang="ko-KR" altLang="en-US" sz="1000" dirty="0">
+              <a:rPr lang="ko-KR" altLang="en-US" sz="563" dirty="0">
                 <a:latin typeface="나눔스퀘어OTF" panose="020B0600000101010101" pitchFamily="34" charset="-127"/>
                 <a:ea typeface="나눔스퀘어OTF" panose="020B0600000101010101" pitchFamily="34" charset="-127"/>
               </a:rPr>
@@ -3952,49 +3602,49 @@
               <a:buNone/>
             </a:pPr>
             <a:r>
-              <a:rPr lang="ko-KR" altLang="en-US" sz="1000" dirty="0">
+              <a:rPr lang="ko-KR" altLang="en-US" sz="563" dirty="0">
                 <a:latin typeface="나눔스퀘어OTF" panose="020B0600000101010101" pitchFamily="34" charset="-127"/>
                 <a:ea typeface="나눔스퀘어OTF" panose="020B0600000101010101" pitchFamily="34" charset="-127"/>
               </a:rPr>
               <a:t>콘텐츠 자동생성 </a:t>
             </a:r>
             <a:r>
-              <a:rPr lang="en-US" altLang="ko-KR" sz="1000" dirty="0">
+              <a:rPr lang="en-US" altLang="ko-KR" sz="563" dirty="0">
                 <a:latin typeface="나눔스퀘어OTF" panose="020B0600000101010101" pitchFamily="34" charset="-127"/>
                 <a:ea typeface="나눔스퀘어OTF" panose="020B0600000101010101" pitchFamily="34" charset="-127"/>
               </a:rPr>
               <a:t>SNS</a:t>
             </a:r>
             <a:r>
-              <a:rPr lang="ko-KR" altLang="en-US" sz="1000" dirty="0">
+              <a:rPr lang="ko-KR" altLang="en-US" sz="563" dirty="0">
                 <a:latin typeface="나눔스퀘어OTF" panose="020B0600000101010101" pitchFamily="34" charset="-127"/>
                 <a:ea typeface="나눔스퀘어OTF" panose="020B0600000101010101" pitchFamily="34" charset="-127"/>
               </a:rPr>
               <a:t>문구</a:t>
             </a:r>
             <a:r>
-              <a:rPr lang="en-US" altLang="ko-KR" sz="1000" dirty="0">
+              <a:rPr lang="en-US" altLang="ko-KR" sz="563" dirty="0">
                 <a:latin typeface="나눔스퀘어OTF" panose="020B0600000101010101" pitchFamily="34" charset="-127"/>
                 <a:ea typeface="나눔스퀘어OTF" panose="020B0600000101010101" pitchFamily="34" charset="-127"/>
               </a:rPr>
               <a:t>, </a:t>
             </a:r>
             <a:r>
-              <a:rPr lang="ko-KR" altLang="en-US" sz="1000" dirty="0">
+              <a:rPr lang="ko-KR" altLang="en-US" sz="563" dirty="0">
                 <a:latin typeface="나눔스퀘어OTF" panose="020B0600000101010101" pitchFamily="34" charset="-127"/>
                 <a:ea typeface="나눔스퀘어OTF" panose="020B0600000101010101" pitchFamily="34" charset="-127"/>
               </a:rPr>
               <a:t>광고카피</a:t>
             </a:r>
             <a:r>
-              <a:rPr lang="en-US" altLang="ko-KR" sz="1000" dirty="0">
+              <a:rPr lang="en-US" altLang="ko-KR" sz="563" dirty="0">
                 <a:latin typeface="나눔스퀘어OTF" panose="020B0600000101010101" pitchFamily="34" charset="-127"/>
                 <a:ea typeface="나눔스퀘어OTF" panose="020B0600000101010101" pitchFamily="34" charset="-127"/>
               </a:rPr>
               <a:t>, </a:t>
             </a:r>
             <a:r>
-              <a:rPr lang="ko-KR" altLang="en-US" sz="1000" dirty="0">
+              <a:rPr lang="ko-KR" altLang="en-US" sz="563" dirty="0">
                 <a:latin typeface="나눔스퀘어OTF" panose="020B0600000101010101" pitchFamily="34" charset="-127"/>
                 <a:ea typeface="나눔스퀘어OTF" panose="020B0600000101010101" pitchFamily="34" charset="-127"/>
               </a:rPr>
@@ -4006,7 +3656,7 @@
               <a:buNone/>
             </a:pPr>
             <a:r>
-              <a:rPr lang="ko-KR" altLang="en-US" sz="1000" dirty="0">
+              <a:rPr lang="ko-KR" altLang="en-US" sz="563" dirty="0">
                 <a:latin typeface="나눔스퀘어OTF" panose="020B0600000101010101" pitchFamily="34" charset="-127"/>
                 <a:ea typeface="나눔스퀘어OTF" panose="020B0600000101010101" pitchFamily="34" charset="-127"/>
               </a:rPr>
@@ -4015,14 +3665,14 @@
           </a:p>
           <a:p>
             <a:r>
-              <a:rPr lang="ko-KR" altLang="en-US" sz="1000" dirty="0" err="1">
+              <a:rPr lang="ko-KR" altLang="en-US" sz="563" dirty="0" err="1">
                 <a:latin typeface="나눔스퀘어OTF" panose="020B0600000101010101" pitchFamily="34" charset="-127"/>
                 <a:ea typeface="나눔스퀘어OTF" panose="020B0600000101010101" pitchFamily="34" charset="-127"/>
               </a:rPr>
               <a:t>차별점</a:t>
             </a:r>
             <a:r>
-              <a:rPr lang="ko-KR" altLang="en-US" sz="1000" dirty="0">
+              <a:rPr lang="ko-KR" altLang="en-US" sz="563" dirty="0">
                 <a:latin typeface="나눔스퀘어OTF" panose="020B0600000101010101" pitchFamily="34" charset="-127"/>
                 <a:ea typeface="나눔스퀘어OTF" panose="020B0600000101010101" pitchFamily="34" charset="-127"/>
               </a:rPr>
@@ -4045,8 +3695,8 @@
         </p:nvSpPr>
         <p:spPr>
           <a:xfrm>
-            <a:off x="0" y="4260353"/>
-            <a:ext cx="2044700" cy="1938992"/>
+            <a:off x="0" y="6563636"/>
+            <a:ext cx="1150144" cy="1305101"/>
           </a:xfrm>
           <a:prstGeom prst="rect">
             <a:avLst/>
@@ -4065,7 +3715,7 @@
               <a:buNone/>
             </a:pPr>
             <a:r>
-              <a:rPr lang="ko-KR" altLang="en-US" sz="1000" dirty="0">
+              <a:rPr lang="ko-KR" altLang="en-US" sz="563" dirty="0">
                 <a:latin typeface="나눔스퀘어OTF" panose="020B0600000101010101" pitchFamily="34" charset="-127"/>
                 <a:ea typeface="나눔스퀘어OTF" panose="020B0600000101010101" pitchFamily="34" charset="-127"/>
               </a:rPr>
@@ -4077,14 +3727,14 @@
               <a:buNone/>
             </a:pPr>
             <a:r>
-              <a:rPr lang="ko-KR" altLang="en-US" sz="1000" dirty="0">
+              <a:rPr lang="ko-KR" altLang="en-US" sz="563" dirty="0">
                 <a:latin typeface="나눔스퀘어OTF" panose="020B0600000101010101" pitchFamily="34" charset="-127"/>
                 <a:ea typeface="나눔스퀘어OTF" panose="020B0600000101010101" pitchFamily="34" charset="-127"/>
               </a:rPr>
               <a:t>🙋‍♀️ 입력 예시</a:t>
             </a:r>
             <a:r>
-              <a:rPr lang="en-US" altLang="ko-KR" sz="1000" dirty="0">
+              <a:rPr lang="en-US" altLang="ko-KR" sz="563" dirty="0">
                 <a:latin typeface="나눔스퀘어OTF" panose="020B0600000101010101" pitchFamily="34" charset="-127"/>
                 <a:ea typeface="나눔스퀘어OTF" panose="020B0600000101010101" pitchFamily="34" charset="-127"/>
               </a:rPr>
@@ -4096,13 +3746,13 @@
               <a:buNone/>
             </a:pPr>
             <a:r>
-              <a:rPr lang="en-US" altLang="ko-KR" sz="1000" dirty="0" err="1">
+              <a:rPr lang="en-US" altLang="ko-KR" sz="563" dirty="0" err="1">
                 <a:latin typeface="나눔스퀘어OTF" panose="020B0600000101010101" pitchFamily="34" charset="-127"/>
                 <a:ea typeface="나눔스퀘어OTF" panose="020B0600000101010101" pitchFamily="34" charset="-127"/>
               </a:rPr>
               <a:t>makefile</a:t>
             </a:r>
-            <a:endParaRPr lang="en-US" altLang="ko-KR" sz="1000" dirty="0">
+            <a:endParaRPr lang="en-US" altLang="ko-KR" sz="563" dirty="0">
               <a:latin typeface="나눔스퀘어OTF" panose="020B0600000101010101" pitchFamily="34" charset="-127"/>
               <a:ea typeface="나눔스퀘어OTF" panose="020B0600000101010101" pitchFamily="34" charset="-127"/>
             </a:endParaRPr>
@@ -4112,7 +3762,7 @@
               <a:buNone/>
             </a:pPr>
             <a:r>
-              <a:rPr lang="ko-KR" altLang="en-US" sz="1000" dirty="0">
+              <a:rPr lang="ko-KR" altLang="en-US" sz="563" dirty="0">
                 <a:latin typeface="나눔스퀘어OTF" panose="020B0600000101010101" pitchFamily="34" charset="-127"/>
                 <a:ea typeface="나눔스퀘어OTF" panose="020B0600000101010101" pitchFamily="34" charset="-127"/>
               </a:rPr>
@@ -4124,7 +3774,7 @@
               <a:buNone/>
             </a:pPr>
             <a:r>
-              <a:rPr lang="ko-KR" altLang="en-US" sz="1000" dirty="0">
+              <a:rPr lang="ko-KR" altLang="en-US" sz="563" dirty="0">
                 <a:latin typeface="나눔스퀘어OTF" panose="020B0600000101010101" pitchFamily="34" charset="-127"/>
                 <a:ea typeface="나눔스퀘어OTF" panose="020B0600000101010101" pitchFamily="34" charset="-127"/>
               </a:rPr>
@@ -4136,35 +3786,35 @@
               <a:buNone/>
             </a:pPr>
             <a:r>
-              <a:rPr lang="ko-KR" altLang="en-US" sz="1000" dirty="0">
+              <a:rPr lang="ko-KR" altLang="en-US" sz="563" dirty="0">
                 <a:latin typeface="나눔스퀘어OTF" panose="020B0600000101010101" pitchFamily="34" charset="-127"/>
                 <a:ea typeface="나눔스퀘어OTF" panose="020B0600000101010101" pitchFamily="34" charset="-127"/>
               </a:rPr>
               <a:t>타겟</a:t>
             </a:r>
             <a:r>
-              <a:rPr lang="en-US" altLang="ko-KR" sz="1000" dirty="0">
+              <a:rPr lang="en-US" altLang="ko-KR" sz="563" dirty="0">
                 <a:latin typeface="나눔스퀘어OTF" panose="020B0600000101010101" pitchFamily="34" charset="-127"/>
                 <a:ea typeface="나눔스퀘어OTF" panose="020B0600000101010101" pitchFamily="34" charset="-127"/>
               </a:rPr>
               <a:t>: </a:t>
             </a:r>
             <a:r>
-              <a:rPr lang="ko-KR" altLang="en-US" sz="1000" dirty="0">
+              <a:rPr lang="ko-KR" altLang="en-US" sz="563" dirty="0">
                 <a:latin typeface="나눔스퀘어OTF" panose="020B0600000101010101" pitchFamily="34" charset="-127"/>
                 <a:ea typeface="나눔스퀘어OTF" panose="020B0600000101010101" pitchFamily="34" charset="-127"/>
               </a:rPr>
               <a:t>반려동물을 키우는 </a:t>
             </a:r>
             <a:r>
-              <a:rPr lang="en-US" altLang="ko-KR" sz="1000" dirty="0">
+              <a:rPr lang="en-US" altLang="ko-KR" sz="563" dirty="0">
                 <a:latin typeface="나눔스퀘어OTF" panose="020B0600000101010101" pitchFamily="34" charset="-127"/>
                 <a:ea typeface="나눔스퀘어OTF" panose="020B0600000101010101" pitchFamily="34" charset="-127"/>
               </a:rPr>
               <a:t>30</a:t>
             </a:r>
             <a:r>
-              <a:rPr lang="ko-KR" altLang="en-US" sz="1000" dirty="0">
+              <a:rPr lang="ko-KR" altLang="en-US" sz="563" dirty="0">
                 <a:latin typeface="나눔스퀘어OTF" panose="020B0600000101010101" pitchFamily="34" charset="-127"/>
                 <a:ea typeface="나눔스퀘어OTF" panose="020B0600000101010101" pitchFamily="34" charset="-127"/>
               </a:rPr>
@@ -4176,35 +3826,35 @@
               <a:buNone/>
             </a:pPr>
             <a:r>
-              <a:rPr lang="ko-KR" altLang="en-US" sz="1000" dirty="0">
+              <a:rPr lang="ko-KR" altLang="en-US" sz="563" dirty="0">
                 <a:latin typeface="나눔스퀘어OTF" panose="020B0600000101010101" pitchFamily="34" charset="-127"/>
                 <a:ea typeface="나눔스퀘어OTF" panose="020B0600000101010101" pitchFamily="34" charset="-127"/>
               </a:rPr>
               <a:t>목적</a:t>
             </a:r>
             <a:r>
-              <a:rPr lang="en-US" altLang="ko-KR" sz="1000" dirty="0">
+              <a:rPr lang="en-US" altLang="ko-KR" sz="563" dirty="0">
                 <a:latin typeface="나눔스퀘어OTF" panose="020B0600000101010101" pitchFamily="34" charset="-127"/>
                 <a:ea typeface="나눔스퀘어OTF" panose="020B0600000101010101" pitchFamily="34" charset="-127"/>
               </a:rPr>
               <a:t>: </a:t>
             </a:r>
             <a:r>
-              <a:rPr lang="ko-KR" altLang="en-US" sz="1000" dirty="0">
+              <a:rPr lang="ko-KR" altLang="en-US" sz="563" dirty="0">
                 <a:latin typeface="나눔스퀘어OTF" panose="020B0600000101010101" pitchFamily="34" charset="-127"/>
                 <a:ea typeface="나눔스퀘어OTF" panose="020B0600000101010101" pitchFamily="34" charset="-127"/>
               </a:rPr>
               <a:t>인스타그램 </a:t>
             </a:r>
             <a:r>
-              <a:rPr lang="ko-KR" altLang="en-US" sz="1000" dirty="0" err="1">
+              <a:rPr lang="ko-KR" altLang="en-US" sz="563" dirty="0" err="1">
                 <a:latin typeface="나눔스퀘어OTF" panose="020B0600000101010101" pitchFamily="34" charset="-127"/>
                 <a:ea typeface="나눔스퀘어OTF" panose="020B0600000101010101" pitchFamily="34" charset="-127"/>
               </a:rPr>
               <a:t>피드</a:t>
             </a:r>
             <a:r>
-              <a:rPr lang="ko-KR" altLang="en-US" sz="1000" dirty="0">
+              <a:rPr lang="ko-KR" altLang="en-US" sz="563" dirty="0">
                 <a:latin typeface="나눔스퀘어OTF" panose="020B0600000101010101" pitchFamily="34" charset="-127"/>
                 <a:ea typeface="나눔스퀘어OTF" panose="020B0600000101010101" pitchFamily="34" charset="-127"/>
               </a:rPr>
@@ -4216,21 +3866,21 @@
               <a:buNone/>
             </a:pPr>
             <a:r>
-              <a:rPr lang="ko-KR" altLang="en-US" sz="1000" dirty="0">
+              <a:rPr lang="ko-KR" altLang="en-US" sz="563" dirty="0">
                 <a:latin typeface="나눔스퀘어OTF" panose="020B0600000101010101" pitchFamily="34" charset="-127"/>
                 <a:ea typeface="나눔스퀘어OTF" panose="020B0600000101010101" pitchFamily="34" charset="-127"/>
               </a:rPr>
               <a:t>어조</a:t>
             </a:r>
             <a:r>
-              <a:rPr lang="en-US" altLang="ko-KR" sz="1000" dirty="0">
+              <a:rPr lang="en-US" altLang="ko-KR" sz="563" dirty="0">
                 <a:latin typeface="나눔스퀘어OTF" panose="020B0600000101010101" pitchFamily="34" charset="-127"/>
                 <a:ea typeface="나눔스퀘어OTF" panose="020B0600000101010101" pitchFamily="34" charset="-127"/>
               </a:rPr>
               <a:t>: </a:t>
             </a:r>
             <a:r>
-              <a:rPr lang="ko-KR" altLang="en-US" sz="1000" dirty="0">
+              <a:rPr lang="ko-KR" altLang="en-US" sz="563" dirty="0">
                 <a:latin typeface="나눔스퀘어OTF" panose="020B0600000101010101" pitchFamily="34" charset="-127"/>
                 <a:ea typeface="나눔스퀘어OTF" panose="020B0600000101010101" pitchFamily="34" charset="-127"/>
               </a:rPr>
@@ -4242,28 +3892,28 @@
               <a:buNone/>
             </a:pPr>
             <a:r>
-              <a:rPr lang="ko-KR" altLang="en-US" sz="1000" dirty="0">
+              <a:rPr lang="ko-KR" altLang="en-US" sz="563" dirty="0">
                 <a:latin typeface="나눔스퀘어OTF" panose="020B0600000101010101" pitchFamily="34" charset="-127"/>
                 <a:ea typeface="나눔스퀘어OTF" panose="020B0600000101010101" pitchFamily="34" charset="-127"/>
               </a:rPr>
               <a:t>🤖 출력 예시 </a:t>
             </a:r>
             <a:r>
-              <a:rPr lang="en-US" altLang="ko-KR" sz="1000" dirty="0">
+              <a:rPr lang="en-US" altLang="ko-KR" sz="563" dirty="0">
                 <a:latin typeface="나눔스퀘어OTF" panose="020B0600000101010101" pitchFamily="34" charset="-127"/>
                 <a:ea typeface="나눔스퀘어OTF" panose="020B0600000101010101" pitchFamily="34" charset="-127"/>
               </a:rPr>
               <a:t>(</a:t>
             </a:r>
             <a:r>
-              <a:rPr lang="ko-KR" altLang="en-US" sz="1000" dirty="0">
+              <a:rPr lang="ko-KR" altLang="en-US" sz="563" dirty="0">
                 <a:latin typeface="나눔스퀘어OTF" panose="020B0600000101010101" pitchFamily="34" charset="-127"/>
                 <a:ea typeface="나눔스퀘어OTF" panose="020B0600000101010101" pitchFamily="34" charset="-127"/>
               </a:rPr>
               <a:t>요약</a:t>
             </a:r>
             <a:r>
-              <a:rPr lang="en-US" altLang="ko-KR" sz="1000" dirty="0">
+              <a:rPr lang="en-US" altLang="ko-KR" sz="563" dirty="0">
                 <a:latin typeface="나눔스퀘어OTF" panose="020B0600000101010101" pitchFamily="34" charset="-127"/>
                 <a:ea typeface="나눔스퀘어OTF" panose="020B0600000101010101" pitchFamily="34" charset="-127"/>
               </a:rPr>
@@ -4275,28 +3925,28 @@
               <a:buNone/>
             </a:pPr>
             <a:r>
-              <a:rPr lang="en-US" altLang="ko-KR" sz="1000" dirty="0">
+              <a:rPr lang="en-US" altLang="ko-KR" sz="563" dirty="0">
                 <a:latin typeface="나눔스퀘어OTF" panose="020B0600000101010101" pitchFamily="34" charset="-127"/>
                 <a:ea typeface="나눔스퀘어OTF" panose="020B0600000101010101" pitchFamily="34" charset="-127"/>
               </a:rPr>
               <a:t>SNS </a:t>
             </a:r>
             <a:r>
-              <a:rPr lang="ko-KR" altLang="en-US" sz="1000" dirty="0">
+              <a:rPr lang="ko-KR" altLang="en-US" sz="563" dirty="0">
                 <a:latin typeface="나눔스퀘어OTF" panose="020B0600000101010101" pitchFamily="34" charset="-127"/>
                 <a:ea typeface="나눔스퀘어OTF" panose="020B0600000101010101" pitchFamily="34" charset="-127"/>
               </a:rPr>
               <a:t>문구 </a:t>
             </a:r>
             <a:r>
-              <a:rPr lang="en-US" altLang="ko-KR" sz="1000" dirty="0">
+              <a:rPr lang="en-US" altLang="ko-KR" sz="563" dirty="0">
                 <a:latin typeface="나눔스퀘어OTF" panose="020B0600000101010101" pitchFamily="34" charset="-127"/>
                 <a:ea typeface="나눔스퀘어OTF" panose="020B0600000101010101" pitchFamily="34" charset="-127"/>
               </a:rPr>
               <a:t>3</a:t>
             </a:r>
             <a:r>
-              <a:rPr lang="ko-KR" altLang="en-US" sz="1000" dirty="0">
+              <a:rPr lang="ko-KR" altLang="en-US" sz="563" dirty="0">
                 <a:latin typeface="나눔스퀘어OTF" panose="020B0600000101010101" pitchFamily="34" charset="-127"/>
                 <a:ea typeface="나눔스퀘어OTF" panose="020B0600000101010101" pitchFamily="34" charset="-127"/>
               </a:rPr>
@@ -4308,21 +3958,21 @@
               <a:buNone/>
             </a:pPr>
             <a:r>
-              <a:rPr lang="ko-KR" altLang="en-US" sz="1000" dirty="0">
+              <a:rPr lang="ko-KR" altLang="en-US" sz="563" dirty="0">
                 <a:latin typeface="나눔스퀘어OTF" panose="020B0600000101010101" pitchFamily="34" charset="-127"/>
                 <a:ea typeface="나눔스퀘어OTF" panose="020B0600000101010101" pitchFamily="34" charset="-127"/>
               </a:rPr>
               <a:t>감성적인 카피 </a:t>
             </a:r>
             <a:r>
-              <a:rPr lang="en-US" altLang="ko-KR" sz="1000" dirty="0">
+              <a:rPr lang="en-US" altLang="ko-KR" sz="563" dirty="0">
                 <a:latin typeface="나눔스퀘어OTF" panose="020B0600000101010101" pitchFamily="34" charset="-127"/>
                 <a:ea typeface="나눔스퀘어OTF" panose="020B0600000101010101" pitchFamily="34" charset="-127"/>
               </a:rPr>
               <a:t>with </a:t>
             </a:r>
             <a:r>
-              <a:rPr lang="ko-KR" altLang="en-US" sz="1000" dirty="0">
+              <a:rPr lang="ko-KR" altLang="en-US" sz="563" dirty="0">
                 <a:latin typeface="나눔스퀘어OTF" panose="020B0600000101010101" pitchFamily="34" charset="-127"/>
                 <a:ea typeface="나눔스퀘어OTF" panose="020B0600000101010101" pitchFamily="34" charset="-127"/>
               </a:rPr>
@@ -4331,21 +3981,21 @@
           </a:p>
           <a:p>
             <a:r>
-              <a:rPr lang="ko-KR" altLang="en-US" sz="1000" dirty="0">
+              <a:rPr lang="ko-KR" altLang="en-US" sz="563" dirty="0">
                 <a:latin typeface="나눔스퀘어OTF" panose="020B0600000101010101" pitchFamily="34" charset="-127"/>
                 <a:ea typeface="나눔스퀘어OTF" panose="020B0600000101010101" pitchFamily="34" charset="-127"/>
               </a:rPr>
               <a:t>감성 스타일 유지 </a:t>
             </a:r>
             <a:r>
-              <a:rPr lang="en-US" altLang="ko-KR" sz="1000" dirty="0">
+              <a:rPr lang="en-US" altLang="ko-KR" sz="563" dirty="0">
                 <a:latin typeface="나눔스퀘어OTF" panose="020B0600000101010101" pitchFamily="34" charset="-127"/>
                 <a:ea typeface="나눔스퀘어OTF" panose="020B0600000101010101" pitchFamily="34" charset="-127"/>
               </a:rPr>
               <a:t>+ </a:t>
             </a:r>
             <a:r>
-              <a:rPr lang="ko-KR" altLang="en-US" sz="1000" dirty="0">
+              <a:rPr lang="ko-KR" altLang="en-US" sz="563" dirty="0">
                 <a:latin typeface="나눔스퀘어OTF" panose="020B0600000101010101" pitchFamily="34" charset="-127"/>
                 <a:ea typeface="나눔스퀘어OTF" panose="020B0600000101010101" pitchFamily="34" charset="-127"/>
               </a:rPr>
@@ -4376,8 +4026,8 @@
         </p:blipFill>
         <p:spPr>
           <a:xfrm>
-            <a:off x="5591256" y="165713"/>
-            <a:ext cx="4713269" cy="2881125"/>
+            <a:off x="3145082" y="4260401"/>
+            <a:ext cx="2651214" cy="1620633"/>
           </a:xfrm>
           <a:prstGeom prst="rect">
             <a:avLst/>
@@ -4406,8 +4056,8 @@
         </p:blipFill>
         <p:spPr>
           <a:xfrm>
-            <a:off x="2416285" y="5479036"/>
-            <a:ext cx="1387218" cy="1391147"/>
+            <a:off x="1359160" y="7249146"/>
+            <a:ext cx="780310" cy="782520"/>
           </a:xfrm>
           <a:prstGeom prst="rect">
             <a:avLst/>
@@ -4436,8 +4086,8 @@
         </p:blipFill>
         <p:spPr>
           <a:xfrm>
-            <a:off x="4122572" y="5194556"/>
-            <a:ext cx="2369479" cy="1686695"/>
+            <a:off x="2318947" y="7089126"/>
+            <a:ext cx="1332832" cy="948766"/>
           </a:xfrm>
           <a:prstGeom prst="rect">
             <a:avLst/>
@@ -4466,8 +4116,8 @@
         </p:blipFill>
         <p:spPr>
           <a:xfrm>
-            <a:off x="6825321" y="4366285"/>
-            <a:ext cx="2383934" cy="2514966"/>
+            <a:off x="3839243" y="6623223"/>
+            <a:ext cx="1340963" cy="1414668"/>
           </a:xfrm>
           <a:prstGeom prst="rect">
             <a:avLst/>
@@ -4490,8 +4140,8 @@
         </p:nvCxnSpPr>
         <p:spPr>
           <a:xfrm>
-            <a:off x="3448192" y="858893"/>
-            <a:ext cx="1779040" cy="1383697"/>
+            <a:off x="1939608" y="4650315"/>
+            <a:ext cx="1000710" cy="778330"/>
           </a:xfrm>
           <a:prstGeom prst="bentConnector3">
             <a:avLst/>
@@ -4534,8 +4184,8 @@
         </p:nvCxnSpPr>
         <p:spPr>
           <a:xfrm>
-            <a:off x="3898900" y="2500900"/>
-            <a:ext cx="1328332" cy="1768"/>
+            <a:off x="2193131" y="5573944"/>
+            <a:ext cx="747187" cy="995"/>
           </a:xfrm>
           <a:prstGeom prst="straightConnector1">
             <a:avLst/>
@@ -4578,8 +4228,8 @@
         </p:nvCxnSpPr>
         <p:spPr>
           <a:xfrm flipV="1">
-            <a:off x="1996018" y="2760978"/>
-            <a:ext cx="3231214" cy="2014771"/>
+            <a:off x="1122760" y="5720238"/>
+            <a:ext cx="1817558" cy="1133309"/>
           </a:xfrm>
           <a:prstGeom prst="bentConnector3">
             <a:avLst/>
@@ -4628,8 +4278,8 @@
         </p:blipFill>
         <p:spPr>
           <a:xfrm>
-            <a:off x="9542525" y="3243407"/>
-            <a:ext cx="2678131" cy="3637844"/>
+            <a:off x="5367670" y="5991604"/>
+            <a:ext cx="1506449" cy="2046287"/>
           </a:xfrm>
           <a:prstGeom prst="rect">
             <a:avLst/>
@@ -4652,8 +4302,8 @@
         </p:nvCxnSpPr>
         <p:spPr>
           <a:xfrm flipV="1">
-            <a:off x="3611625" y="3969665"/>
-            <a:ext cx="5578217" cy="24546"/>
+            <a:off x="2031539" y="6400124"/>
+            <a:ext cx="3137747" cy="13807"/>
           </a:xfrm>
           <a:prstGeom prst="straightConnector1">
             <a:avLst/>
@@ -4698,7 +4348,7 @@
 <file path=ppt/theme/theme1.xml><?xml version="1.0" encoding="utf-8"?>
 <a:theme xmlns:a="http://schemas.openxmlformats.org/drawingml/2006/main" name="Office 테마">
   <a:themeElements>
-    <a:clrScheme name="Office">
+    <a:clrScheme name="Office 테마">
       <a:dk1>
         <a:sysClr val="windowText" lastClr="000000"/>
       </a:dk1>
@@ -4736,9 +4386,9 @@
         <a:srgbClr val="954F72"/>
       </a:folHlink>
     </a:clrScheme>
-    <a:fontScheme name="Office">
+    <a:fontScheme name="Office 테마">
       <a:majorFont>
-        <a:latin typeface="맑은 고딕" panose="020F0302020204030204"/>
+        <a:latin typeface="Calibri Light" panose="020F0302020204030204"/>
         <a:ea typeface=""/>
         <a:cs typeface=""/>
         <a:font script="Jpan" typeface="游ゴシック Light"/>
@@ -4771,26 +4421,9 @@
         <a:font script="Viet" typeface="Times New Roman"/>
         <a:font script="Uigh" typeface="Microsoft Uighur"/>
         <a:font script="Geor" typeface="Sylfaen"/>
-        <a:font script="Armn" typeface="Arial"/>
-        <a:font script="Bugi" typeface="Leelawadee UI"/>
-        <a:font script="Bopo" typeface="Microsoft JhengHei"/>
-        <a:font script="Java" typeface="Javanese Text"/>
-        <a:font script="Lisu" typeface="Segoe UI"/>
-        <a:font script="Mymr" typeface="Myanmar Text"/>
-        <a:font script="Nkoo" typeface="Ebrima"/>
-        <a:font script="Olck" typeface="Nirmala UI"/>
-        <a:font script="Osma" typeface="Ebrima"/>
-        <a:font script="Phag" typeface="Phagspa"/>
-        <a:font script="Syrn" typeface="Estrangelo Edessa"/>
-        <a:font script="Syrj" typeface="Estrangelo Edessa"/>
-        <a:font script="Syre" typeface="Estrangelo Edessa"/>
-        <a:font script="Sora" typeface="Nirmala UI"/>
-        <a:font script="Tale" typeface="Microsoft Tai Le"/>
-        <a:font script="Talu" typeface="Microsoft New Tai Lue"/>
-        <a:font script="Tfng" typeface="Ebrima"/>
       </a:majorFont>
       <a:minorFont>
-        <a:latin typeface="맑은 고딕" panose="020F0502020204030204"/>
+        <a:latin typeface="Calibri" panose="020F0502020204030204"/>
         <a:ea typeface=""/>
         <a:cs typeface=""/>
         <a:font script="Jpan" typeface="游ゴシック"/>
@@ -4823,26 +4456,9 @@
         <a:font script="Viet" typeface="Arial"/>
         <a:font script="Uigh" typeface="Microsoft Uighur"/>
         <a:font script="Geor" typeface="Sylfaen"/>
-        <a:font script="Armn" typeface="Arial"/>
-        <a:font script="Bugi" typeface="Leelawadee UI"/>
-        <a:font script="Bopo" typeface="Microsoft JhengHei"/>
-        <a:font script="Java" typeface="Javanese Text"/>
-        <a:font script="Lisu" typeface="Segoe UI"/>
-        <a:font script="Mymr" typeface="Myanmar Text"/>
-        <a:font script="Nkoo" typeface="Ebrima"/>
-        <a:font script="Olck" typeface="Nirmala UI"/>
-        <a:font script="Osma" typeface="Ebrima"/>
-        <a:font script="Phag" typeface="Phagspa"/>
-        <a:font script="Syrn" typeface="Estrangelo Edessa"/>
-        <a:font script="Syrj" typeface="Estrangelo Edessa"/>
-        <a:font script="Syre" typeface="Estrangelo Edessa"/>
-        <a:font script="Sora" typeface="Nirmala UI"/>
-        <a:font script="Tale" typeface="Microsoft Tai Le"/>
-        <a:font script="Talu" typeface="Microsoft New Tai Lue"/>
-        <a:font script="Tfng" typeface="Ebrima"/>
       </a:minorFont>
     </a:fontScheme>
-    <a:fmtScheme name="Office">
+    <a:fmtScheme name="Office 테마">
       <a:fillStyleLst>
         <a:solidFill>
           <a:schemeClr val="phClr"/>
@@ -4984,7 +4600,7 @@
   <a:extraClrSchemeLst/>
   <a:extLst>
     <a:ext uri="{05A4C25C-085E-4340-85A3-A5531E510DB2}">
-      <thm15:themeFamily xmlns:thm15="http://schemas.microsoft.com/office/thememl/2012/main" name="Office Theme" id="{62F939B6-93AF-4DB8-9C6B-D6C7DFDC589F}" vid="{4A3C46E8-61CC-4603-A589-7422A47A8E4A}"/>
+      <thm15:themeFamily xmlns:thm15="http://schemas.microsoft.com/office/thememl/2012/main" name="Office 2013 - 2022 Theme" id="{62F939B6-93AF-4DB8-9C6B-D6C7DFDC589F}" vid="{4A3C46E8-61CC-4603-A589-7422A47A8E4A}"/>
     </a:ext>
   </a:extLst>
 </a:theme>
